--- a/Airline Information Management.pptx
+++ b/Airline Information Management.pptx
@@ -5826,21 +5826,6 @@
 </file>
 
 <file path=customXml/item1.xml><?xml version="1.0" encoding="utf-8"?>
-<p:properties xmlns:p="http://schemas.microsoft.com/office/2006/metadata/properties" xmlns:xsi="http://www.w3.org/2001/XMLSchema-instance" xmlns:pc="http://schemas.microsoft.com/office/infopath/2007/PartnerControls">
-  <documentManagement/>
-</p:properties>
-</file>
-
-<file path=customXml/item2.xml><?xml version="1.0" encoding="utf-8"?>
-<?mso-contentType ?>
-<FormTemplates xmlns="http://schemas.microsoft.com/sharepoint/v3/contenttype/forms">
-  <Display>DocumentLibraryForm</Display>
-  <Edit>DocumentLibraryForm</Edit>
-  <New>DocumentLibraryForm</New>
-</FormTemplates>
-</file>
-
-<file path=customXml/item3.xml><?xml version="1.0" encoding="utf-8"?>
 <ct:contentTypeSchema xmlns:ct="http://schemas.microsoft.com/office/2006/metadata/contentType" xmlns:ma="http://schemas.microsoft.com/office/2006/metadata/properties/metaAttributes" ct:_="" ma:_="" ma:contentTypeName="Documento" ma:contentTypeID="0x01010014BC32AFF3718747B5A2CE47A88F3C6A" ma:contentTypeVersion="2" ma:contentTypeDescription="Criar um novo documento." ma:contentTypeScope="" ma:versionID="fee3d826901bcb9451dce0bbc19dadc3">
   <xsd:schema xmlns:xsd="http://www.w3.org/2001/XMLSchema" xmlns:xs="http://www.w3.org/2001/XMLSchema" xmlns:p="http://schemas.microsoft.com/office/2006/metadata/properties" xmlns:ns3="a47fcd35-67e3-4b66-9352-8d0db098ec50" targetNamespace="http://schemas.microsoft.com/office/2006/metadata/properties" ma:root="true" ma:fieldsID="deb6b73c7f47f6e6612a6af669b62c39" ns3:_="">
     <xsd:import namespace="a47fcd35-67e3-4b66-9352-8d0db098ec50"/>
@@ -5972,31 +5957,22 @@
 </ct:contentTypeSchema>
 </file>
 
-<file path=customXml/itemProps1.xml><?xml version="1.0" encoding="utf-8"?>
-<ds:datastoreItem xmlns:ds="http://schemas.openxmlformats.org/officeDocument/2006/customXml" ds:itemID="{05E380B0-3793-4519-A034-114F335A5299}">
-  <ds:schemaRefs>
-    <ds:schemaRef ds:uri="http://purl.org/dc/dcmitype/"/>
-    <ds:schemaRef ds:uri="http://purl.org/dc/terms/"/>
-    <ds:schemaRef ds:uri="http://schemas.microsoft.com/office/2006/metadata/properties"/>
-    <ds:schemaRef ds:uri="http://schemas.microsoft.com/office/2006/documentManagement/types"/>
-    <ds:schemaRef ds:uri="a47fcd35-67e3-4b66-9352-8d0db098ec50"/>
-    <ds:schemaRef ds:uri="http://schemas.openxmlformats.org/package/2006/metadata/core-properties"/>
-    <ds:schemaRef ds:uri="http://purl.org/dc/elements/1.1/"/>
-    <ds:schemaRef ds:uri="http://schemas.microsoft.com/office/infopath/2007/PartnerControls"/>
-    <ds:schemaRef ds:uri="http://www.w3.org/XML/1998/namespace"/>
-  </ds:schemaRefs>
-</ds:datastoreItem>
+<file path=customXml/item2.xml><?xml version="1.0" encoding="utf-8"?>
+<?mso-contentType ?>
+<FormTemplates xmlns="http://schemas.microsoft.com/sharepoint/v3/contenttype/forms">
+  <Display>DocumentLibraryForm</Display>
+  <Edit>DocumentLibraryForm</Edit>
+  <New>DocumentLibraryForm</New>
+</FormTemplates>
 </file>
 
-<file path=customXml/itemProps2.xml><?xml version="1.0" encoding="utf-8"?>
-<ds:datastoreItem xmlns:ds="http://schemas.openxmlformats.org/officeDocument/2006/customXml" ds:itemID="{76EE102A-C587-47D4-980D-6EF803504572}">
-  <ds:schemaRefs>
-    <ds:schemaRef ds:uri="http://schemas.microsoft.com/sharepoint/v3/contenttype/forms"/>
-  </ds:schemaRefs>
-</ds:datastoreItem>
+<file path=customXml/item3.xml><?xml version="1.0" encoding="utf-8"?>
+<p:properties xmlns:p="http://schemas.microsoft.com/office/2006/metadata/properties" xmlns:xsi="http://www.w3.org/2001/XMLSchema-instance" xmlns:pc="http://schemas.microsoft.com/office/infopath/2007/PartnerControls">
+  <documentManagement/>
+</p:properties>
 </file>
 
-<file path=customXml/itemProps3.xml><?xml version="1.0" encoding="utf-8"?>
+<file path=customXml/itemProps1.xml><?xml version="1.0" encoding="utf-8"?>
 <ds:datastoreItem xmlns:ds="http://schemas.openxmlformats.org/officeDocument/2006/customXml" ds:itemID="{9697E427-2E56-4B40-B661-233DAE44C32F}">
   <ds:schemaRefs>
     <ds:schemaRef ds:uri="http://schemas.microsoft.com/office/2006/metadata/contentType"/>
@@ -6012,4 +5988,28 @@
     <ds:schemaRef ds:uri="http://schemas.microsoft.com/internal/obd"/>
   </ds:schemaRefs>
 </ds:datastoreItem>
+</file>
+
+<file path=customXml/itemProps2.xml><?xml version="1.0" encoding="utf-8"?>
+<ds:datastoreItem xmlns:ds="http://schemas.openxmlformats.org/officeDocument/2006/customXml" ds:itemID="{76EE102A-C587-47D4-980D-6EF803504572}">
+  <ds:schemaRefs>
+    <ds:schemaRef ds:uri="http://schemas.microsoft.com/sharepoint/v3/contenttype/forms"/>
+  </ds:schemaRefs>
+</ds:datastoreItem>
+</file>
+
+<file path=customXml/itemProps3.xml><?xml version="1.0" encoding="utf-8"?>
+<ds:datastoreItem xmlns:ds="http://schemas.openxmlformats.org/officeDocument/2006/customXml" ds:itemID="{05E380B0-3793-4519-A034-114F335A5299}">
+  <ds:schemaRefs>
+    <ds:schemaRef ds:uri="http://purl.org/dc/dcmitype/"/>
+    <ds:schemaRef ds:uri="http://purl.org/dc/terms/"/>
+    <ds:schemaRef ds:uri="http://schemas.microsoft.com/office/2006/metadata/properties"/>
+    <ds:schemaRef ds:uri="http://schemas.microsoft.com/office/2006/documentManagement/types"/>
+    <ds:schemaRef ds:uri="a47fcd35-67e3-4b66-9352-8d0db098ec50"/>
+    <ds:schemaRef ds:uri="http://schemas.openxmlformats.org/package/2006/metadata/core-properties"/>
+    <ds:schemaRef ds:uri="http://purl.org/dc/elements/1.1/"/>
+    <ds:schemaRef ds:uri="http://schemas.microsoft.com/office/infopath/2007/PartnerControls"/>
+    <ds:schemaRef ds:uri="http://www.w3.org/XML/1998/namespace"/>
+  </ds:schemaRefs>
+</ds:datastoreItem>
 </file>
--- a/Airline Information Management.pptx
+++ b/Airline Information Management.pptx
@@ -7,7 +7,12 @@
   <p:sldIdLst>
     <p:sldId id="256" r:id="rId5"/>
     <p:sldId id="257" r:id="rId6"/>
-    <p:sldId id="258" r:id="rId7"/>
+    <p:sldId id="263" r:id="rId7"/>
+    <p:sldId id="262" r:id="rId8"/>
+    <p:sldId id="261" r:id="rId9"/>
+    <p:sldId id="260" r:id="rId10"/>
+    <p:sldId id="258" r:id="rId11"/>
+    <p:sldId id="259" r:id="rId12"/>
   </p:sldIdLst>
   <p:sldSz cx="12192000" cy="6858000"/>
   <p:notesSz cx="6858000" cy="9144000"/>
@@ -269,7 +274,7 @@
           <a:p>
             <a:fld id="{6422C9F5-CE6F-4BEE-84C2-81E4985345AA}" type="datetimeFigureOut">
               <a:rPr lang="en-US" smtClean="0"/>
-              <a:t>12/14/2021</a:t>
+              <a:t>12/18/2021</a:t>
             </a:fld>
             <a:endParaRPr lang="en-US"/>
           </a:p>
@@ -467,7 +472,7 @@
           <a:p>
             <a:fld id="{6422C9F5-CE6F-4BEE-84C2-81E4985345AA}" type="datetimeFigureOut">
               <a:rPr lang="en-US" smtClean="0"/>
-              <a:t>12/14/2021</a:t>
+              <a:t>12/18/2021</a:t>
             </a:fld>
             <a:endParaRPr lang="en-US"/>
           </a:p>
@@ -675,7 +680,7 @@
           <a:p>
             <a:fld id="{6422C9F5-CE6F-4BEE-84C2-81E4985345AA}" type="datetimeFigureOut">
               <a:rPr lang="en-US" smtClean="0"/>
-              <a:t>12/14/2021</a:t>
+              <a:t>12/18/2021</a:t>
             </a:fld>
             <a:endParaRPr lang="en-US"/>
           </a:p>
@@ -873,7 +878,7 @@
           <a:p>
             <a:fld id="{6422C9F5-CE6F-4BEE-84C2-81E4985345AA}" type="datetimeFigureOut">
               <a:rPr lang="en-US" smtClean="0"/>
-              <a:t>12/14/2021</a:t>
+              <a:t>12/18/2021</a:t>
             </a:fld>
             <a:endParaRPr lang="en-US"/>
           </a:p>
@@ -1148,7 +1153,7 @@
           <a:p>
             <a:fld id="{6422C9F5-CE6F-4BEE-84C2-81E4985345AA}" type="datetimeFigureOut">
               <a:rPr lang="en-US" smtClean="0"/>
-              <a:t>12/14/2021</a:t>
+              <a:t>12/18/2021</a:t>
             </a:fld>
             <a:endParaRPr lang="en-US"/>
           </a:p>
@@ -1413,7 +1418,7 @@
           <a:p>
             <a:fld id="{6422C9F5-CE6F-4BEE-84C2-81E4985345AA}" type="datetimeFigureOut">
               <a:rPr lang="en-US" smtClean="0"/>
-              <a:t>12/14/2021</a:t>
+              <a:t>12/18/2021</a:t>
             </a:fld>
             <a:endParaRPr lang="en-US"/>
           </a:p>
@@ -1825,7 +1830,7 @@
           <a:p>
             <a:fld id="{6422C9F5-CE6F-4BEE-84C2-81E4985345AA}" type="datetimeFigureOut">
               <a:rPr lang="en-US" smtClean="0"/>
-              <a:t>12/14/2021</a:t>
+              <a:t>12/18/2021</a:t>
             </a:fld>
             <a:endParaRPr lang="en-US"/>
           </a:p>
@@ -1966,7 +1971,7 @@
           <a:p>
             <a:fld id="{6422C9F5-CE6F-4BEE-84C2-81E4985345AA}" type="datetimeFigureOut">
               <a:rPr lang="en-US" smtClean="0"/>
-              <a:t>12/14/2021</a:t>
+              <a:t>12/18/2021</a:t>
             </a:fld>
             <a:endParaRPr lang="en-US"/>
           </a:p>
@@ -2079,7 +2084,7 @@
           <a:p>
             <a:fld id="{6422C9F5-CE6F-4BEE-84C2-81E4985345AA}" type="datetimeFigureOut">
               <a:rPr lang="en-US" smtClean="0"/>
-              <a:t>12/14/2021</a:t>
+              <a:t>12/18/2021</a:t>
             </a:fld>
             <a:endParaRPr lang="en-US"/>
           </a:p>
@@ -2390,7 +2395,7 @@
           <a:p>
             <a:fld id="{6422C9F5-CE6F-4BEE-84C2-81E4985345AA}" type="datetimeFigureOut">
               <a:rPr lang="en-US" smtClean="0"/>
-              <a:t>12/14/2021</a:t>
+              <a:t>12/18/2021</a:t>
             </a:fld>
             <a:endParaRPr lang="en-US"/>
           </a:p>
@@ -2678,7 +2683,7 @@
           <a:p>
             <a:fld id="{6422C9F5-CE6F-4BEE-84C2-81E4985345AA}" type="datetimeFigureOut">
               <a:rPr lang="en-US" smtClean="0"/>
-              <a:t>12/14/2021</a:t>
+              <a:t>12/18/2021</a:t>
             </a:fld>
             <a:endParaRPr lang="en-US"/>
           </a:p>
@@ -2919,7 +2924,7 @@
           <a:p>
             <a:fld id="{6422C9F5-CE6F-4BEE-84C2-81E4985345AA}" type="datetimeFigureOut">
               <a:rPr lang="en-US" smtClean="0"/>
-              <a:t>12/14/2021</a:t>
+              <a:t>12/18/2021</a:t>
             </a:fld>
             <a:endParaRPr lang="en-US"/>
           </a:p>
@@ -5403,8 +5408,8 @@
         </p:nvSpPr>
         <p:spPr>
           <a:xfrm>
-            <a:off x="781050" y="1835150"/>
-            <a:ext cx="5900738" cy="865188"/>
+            <a:off x="704850" y="1835150"/>
+            <a:ext cx="11184009" cy="1544637"/>
           </a:xfrm>
         </p:spPr>
         <p:txBody>
@@ -5418,12 +5423,36 @@
             </a:pPr>
             <a:r>
               <a:rPr lang="en-US" sz="2000" b="1" dirty="0"/>
-              <a:t>Guilherme </a:t>
-            </a:r>
-            <a:r>
-              <a:rPr lang="en-US" sz="2000" dirty="0"/>
-              <a:t>sleep deprivation</a:t>
-            </a:r>
+              <a:t>Gonçalo</a:t>
+            </a:r>
+          </a:p>
+          <a:p>
+            <a:pPr marL="0" indent="0">
+              <a:buNone/>
+            </a:pPr>
+            <a:r>
+              <a:rPr lang="en-US" sz="2000" b="1" dirty="0"/>
+              <a:t>Difficulties: </a:t>
+            </a:r>
+            <a:r>
+              <a:rPr lang="en-US" sz="2000" dirty="0" err="1"/>
+              <a:t>eeeee</a:t>
+            </a:r>
+            <a:endParaRPr lang="en-US" sz="2000" dirty="0"/>
+          </a:p>
+          <a:p>
+            <a:pPr marL="0" indent="0">
+              <a:buNone/>
+            </a:pPr>
+            <a:r>
+              <a:rPr lang="en-US" sz="2000" b="1" dirty="0"/>
+              <a:t>Solution: </a:t>
+            </a:r>
+            <a:r>
+              <a:rPr lang="en-US" sz="2000" dirty="0" err="1"/>
+              <a:t>eee</a:t>
+            </a:r>
+            <a:endParaRPr lang="en-US" sz="2000" b="1" dirty="0"/>
           </a:p>
         </p:txBody>
       </p:sp>
@@ -5512,7 +5541,751 @@
           <a:p>
             <a:r>
               <a:rPr lang="en-US" b="1" dirty="0"/>
-              <a:t>Main difficulties</a:t>
+              <a:t>Solution description (1)</a:t>
+            </a:r>
+          </a:p>
+        </p:txBody>
+      </p:sp>
+    </p:spTree>
+    <p:extLst>
+      <p:ext uri="{BB962C8B-B14F-4D97-AF65-F5344CB8AC3E}">
+        <p14:creationId xmlns:p14="http://schemas.microsoft.com/office/powerpoint/2010/main" val="2583786803"/>
+      </p:ext>
+    </p:extLst>
+  </p:cSld>
+  <p:clrMapOvr>
+    <a:masterClrMapping/>
+  </p:clrMapOvr>
+</p:sld>
+</file>
+
+<file path=ppt/slides/slide4.xml><?xml version="1.0" encoding="utf-8"?>
+<p:sld xmlns:a="http://schemas.openxmlformats.org/drawingml/2006/main" xmlns:r="http://schemas.openxmlformats.org/officeDocument/2006/relationships" xmlns:p="http://schemas.openxmlformats.org/presentationml/2006/main">
+  <p:cSld>
+    <p:spTree>
+      <p:nvGrpSpPr>
+        <p:cNvPr id="1" name=""/>
+        <p:cNvGrpSpPr/>
+        <p:nvPr/>
+      </p:nvGrpSpPr>
+      <p:grpSpPr>
+        <a:xfrm>
+          <a:off x="0" y="0"/>
+          <a:ext cx="0" cy="0"/>
+          <a:chOff x="0" y="0"/>
+          <a:chExt cx="0" cy="0"/>
+        </a:xfrm>
+      </p:grpSpPr>
+      <p:sp>
+        <p:nvSpPr>
+          <p:cNvPr id="3" name="Content Placeholder 2">
+            <a:extLst>
+              <a:ext uri="{FF2B5EF4-FFF2-40B4-BE49-F238E27FC236}">
+                <a16:creationId xmlns:a16="http://schemas.microsoft.com/office/drawing/2014/main" id="{85F8C973-E34A-4BB1-B4F7-B731E0A66CEF}"/>
+              </a:ext>
+            </a:extLst>
+          </p:cNvPr>
+          <p:cNvSpPr>
+            <a:spLocks noGrp="1"/>
+          </p:cNvSpPr>
+          <p:nvPr>
+            <p:ph idx="1"/>
+          </p:nvPr>
+        </p:nvSpPr>
+        <p:spPr>
+          <a:xfrm>
+            <a:off x="704850" y="1835150"/>
+            <a:ext cx="11184009" cy="1544637"/>
+          </a:xfrm>
+        </p:spPr>
+        <p:txBody>
+          <a:bodyPr>
+            <a:normAutofit/>
+          </a:bodyPr>
+          <a:lstStyle/>
+          <a:p>
+            <a:pPr marL="0" indent="0">
+              <a:buNone/>
+            </a:pPr>
+            <a:r>
+              <a:rPr lang="en-US" sz="2000" b="1" dirty="0"/>
+              <a:t>Gonçalo</a:t>
+            </a:r>
+          </a:p>
+          <a:p>
+            <a:pPr marL="0" indent="0">
+              <a:buNone/>
+            </a:pPr>
+            <a:r>
+              <a:rPr lang="en-US" sz="2000" b="1" dirty="0"/>
+              <a:t>Difficulties: </a:t>
+            </a:r>
+            <a:r>
+              <a:rPr lang="en-US" sz="2000" dirty="0" err="1"/>
+              <a:t>eeeee</a:t>
+            </a:r>
+            <a:endParaRPr lang="en-US" sz="2000" dirty="0"/>
+          </a:p>
+          <a:p>
+            <a:pPr marL="0" indent="0">
+              <a:buNone/>
+            </a:pPr>
+            <a:r>
+              <a:rPr lang="en-US" sz="2000" b="1" dirty="0"/>
+              <a:t>Solution: </a:t>
+            </a:r>
+            <a:r>
+              <a:rPr lang="en-US" sz="2000" dirty="0" err="1"/>
+              <a:t>eee</a:t>
+            </a:r>
+            <a:endParaRPr lang="en-US" sz="2000" b="1" dirty="0"/>
+          </a:p>
+        </p:txBody>
+      </p:sp>
+      <p:pic>
+        <p:nvPicPr>
+          <p:cNvPr id="5" name="Picture 4" descr="A picture containing text, clipart&#10;&#10;Description automatically generated">
+            <a:extLst>
+              <a:ext uri="{FF2B5EF4-FFF2-40B4-BE49-F238E27FC236}">
+                <a16:creationId xmlns:a16="http://schemas.microsoft.com/office/drawing/2014/main" id="{AEEF4F80-6182-437F-8FB9-E546318E1786}"/>
+              </a:ext>
+            </a:extLst>
+          </p:cNvPr>
+          <p:cNvPicPr>
+            <a:picLocks noChangeAspect="1"/>
+          </p:cNvPicPr>
+          <p:nvPr/>
+        </p:nvPicPr>
+        <p:blipFill>
+          <a:blip r:embed="rId2">
+            <a:extLst>
+              <a:ext uri="{28A0092B-C50C-407E-A947-70E740481C1C}">
+                <a14:useLocalDpi xmlns:a14="http://schemas.microsoft.com/office/drawing/2010/main" val="0"/>
+              </a:ext>
+            </a:extLst>
+          </a:blip>
+          <a:stretch>
+            <a:fillRect/>
+          </a:stretch>
+        </p:blipFill>
+        <p:spPr>
+          <a:xfrm>
+            <a:off x="8248817" y="327168"/>
+            <a:ext cx="3640043" cy="1401476"/>
+          </a:xfrm>
+          <a:prstGeom prst="rect">
+            <a:avLst/>
+          </a:prstGeom>
+        </p:spPr>
+      </p:pic>
+      <p:sp>
+        <p:nvSpPr>
+          <p:cNvPr id="6" name="Title 1">
+            <a:extLst>
+              <a:ext uri="{FF2B5EF4-FFF2-40B4-BE49-F238E27FC236}">
+                <a16:creationId xmlns:a16="http://schemas.microsoft.com/office/drawing/2014/main" id="{67EAB101-CB65-4E80-9086-38AF17265C5D}"/>
+              </a:ext>
+            </a:extLst>
+          </p:cNvPr>
+          <p:cNvSpPr txBox="1">
+            <a:spLocks/>
+          </p:cNvSpPr>
+          <p:nvPr/>
+        </p:nvSpPr>
+        <p:spPr>
+          <a:xfrm>
+            <a:off x="704851" y="570706"/>
+            <a:ext cx="7219949" cy="914399"/>
+          </a:xfrm>
+          <a:prstGeom prst="rect">
+            <a:avLst/>
+          </a:prstGeom>
+        </p:spPr>
+        <p:txBody>
+          <a:bodyPr vert="horz" lIns="91440" tIns="45720" rIns="91440" bIns="45720" rtlCol="0" anchor="ctr">
+            <a:normAutofit/>
+          </a:bodyPr>
+          <a:lstStyle>
+            <a:lvl1pPr algn="l" defTabSz="914400" rtl="0" eaLnBrk="1" latinLnBrk="0" hangingPunct="1">
+              <a:lnSpc>
+                <a:spcPct val="90000"/>
+              </a:lnSpc>
+              <a:spcBef>
+                <a:spcPct val="0"/>
+              </a:spcBef>
+              <a:buNone/>
+              <a:defRPr sz="4400" kern="1200">
+                <a:solidFill>
+                  <a:schemeClr val="tx1"/>
+                </a:solidFill>
+                <a:latin typeface="+mj-lt"/>
+                <a:ea typeface="+mj-ea"/>
+                <a:cs typeface="+mj-cs"/>
+              </a:defRPr>
+            </a:lvl1pPr>
+          </a:lstStyle>
+          <a:p>
+            <a:r>
+              <a:rPr lang="en-US" b="1" dirty="0"/>
+              <a:t>Class Diagram</a:t>
+            </a:r>
+          </a:p>
+        </p:txBody>
+      </p:sp>
+    </p:spTree>
+    <p:extLst>
+      <p:ext uri="{BB962C8B-B14F-4D97-AF65-F5344CB8AC3E}">
+        <p14:creationId xmlns:p14="http://schemas.microsoft.com/office/powerpoint/2010/main" val="3883518649"/>
+      </p:ext>
+    </p:extLst>
+  </p:cSld>
+  <p:clrMapOvr>
+    <a:masterClrMapping/>
+  </p:clrMapOvr>
+</p:sld>
+</file>
+
+<file path=ppt/slides/slide5.xml><?xml version="1.0" encoding="utf-8"?>
+<p:sld xmlns:a="http://schemas.openxmlformats.org/drawingml/2006/main" xmlns:r="http://schemas.openxmlformats.org/officeDocument/2006/relationships" xmlns:p="http://schemas.openxmlformats.org/presentationml/2006/main">
+  <p:cSld>
+    <p:spTree>
+      <p:nvGrpSpPr>
+        <p:cNvPr id="1" name=""/>
+        <p:cNvGrpSpPr/>
+        <p:nvPr/>
+      </p:nvGrpSpPr>
+      <p:grpSpPr>
+        <a:xfrm>
+          <a:off x="0" y="0"/>
+          <a:ext cx="0" cy="0"/>
+          <a:chOff x="0" y="0"/>
+          <a:chExt cx="0" cy="0"/>
+        </a:xfrm>
+      </p:grpSpPr>
+      <p:sp>
+        <p:nvSpPr>
+          <p:cNvPr id="3" name="Content Placeholder 2">
+            <a:extLst>
+              <a:ext uri="{FF2B5EF4-FFF2-40B4-BE49-F238E27FC236}">
+                <a16:creationId xmlns:a16="http://schemas.microsoft.com/office/drawing/2014/main" id="{85F8C973-E34A-4BB1-B4F7-B731E0A66CEF}"/>
+              </a:ext>
+            </a:extLst>
+          </p:cNvPr>
+          <p:cNvSpPr>
+            <a:spLocks noGrp="1"/>
+          </p:cNvSpPr>
+          <p:nvPr>
+            <p:ph idx="1"/>
+          </p:nvPr>
+        </p:nvSpPr>
+        <p:spPr>
+          <a:xfrm>
+            <a:off x="704850" y="1835150"/>
+            <a:ext cx="11184009" cy="1544637"/>
+          </a:xfrm>
+        </p:spPr>
+        <p:txBody>
+          <a:bodyPr>
+            <a:normAutofit/>
+          </a:bodyPr>
+          <a:lstStyle/>
+          <a:p>
+            <a:pPr marL="0" indent="0">
+              <a:buNone/>
+            </a:pPr>
+            <a:r>
+              <a:rPr lang="en-US" sz="2000" b="1" dirty="0"/>
+              <a:t>Gonçalo</a:t>
+            </a:r>
+          </a:p>
+          <a:p>
+            <a:pPr marL="0" indent="0">
+              <a:buNone/>
+            </a:pPr>
+            <a:r>
+              <a:rPr lang="en-US" sz="2000" b="1" dirty="0"/>
+              <a:t>Difficulties: </a:t>
+            </a:r>
+            <a:r>
+              <a:rPr lang="en-US" sz="2000" dirty="0" err="1"/>
+              <a:t>eeeee</a:t>
+            </a:r>
+            <a:endParaRPr lang="en-US" sz="2000" dirty="0"/>
+          </a:p>
+          <a:p>
+            <a:pPr marL="0" indent="0">
+              <a:buNone/>
+            </a:pPr>
+            <a:r>
+              <a:rPr lang="en-US" sz="2000" b="1" dirty="0"/>
+              <a:t>Solution: </a:t>
+            </a:r>
+            <a:r>
+              <a:rPr lang="en-US" sz="2000" dirty="0" err="1"/>
+              <a:t>eee</a:t>
+            </a:r>
+            <a:endParaRPr lang="en-US" sz="2000" b="1" dirty="0"/>
+          </a:p>
+        </p:txBody>
+      </p:sp>
+      <p:pic>
+        <p:nvPicPr>
+          <p:cNvPr id="5" name="Picture 4" descr="A picture containing text, clipart&#10;&#10;Description automatically generated">
+            <a:extLst>
+              <a:ext uri="{FF2B5EF4-FFF2-40B4-BE49-F238E27FC236}">
+                <a16:creationId xmlns:a16="http://schemas.microsoft.com/office/drawing/2014/main" id="{AEEF4F80-6182-437F-8FB9-E546318E1786}"/>
+              </a:ext>
+            </a:extLst>
+          </p:cNvPr>
+          <p:cNvPicPr>
+            <a:picLocks noChangeAspect="1"/>
+          </p:cNvPicPr>
+          <p:nvPr/>
+        </p:nvPicPr>
+        <p:blipFill>
+          <a:blip r:embed="rId2">
+            <a:extLst>
+              <a:ext uri="{28A0092B-C50C-407E-A947-70E740481C1C}">
+                <a14:useLocalDpi xmlns:a14="http://schemas.microsoft.com/office/drawing/2010/main" val="0"/>
+              </a:ext>
+            </a:extLst>
+          </a:blip>
+          <a:stretch>
+            <a:fillRect/>
+          </a:stretch>
+        </p:blipFill>
+        <p:spPr>
+          <a:xfrm>
+            <a:off x="8248817" y="327168"/>
+            <a:ext cx="3640043" cy="1401476"/>
+          </a:xfrm>
+          <a:prstGeom prst="rect">
+            <a:avLst/>
+          </a:prstGeom>
+        </p:spPr>
+      </p:pic>
+      <p:sp>
+        <p:nvSpPr>
+          <p:cNvPr id="6" name="Title 1">
+            <a:extLst>
+              <a:ext uri="{FF2B5EF4-FFF2-40B4-BE49-F238E27FC236}">
+                <a16:creationId xmlns:a16="http://schemas.microsoft.com/office/drawing/2014/main" id="{67EAB101-CB65-4E80-9086-38AF17265C5D}"/>
+              </a:ext>
+            </a:extLst>
+          </p:cNvPr>
+          <p:cNvSpPr txBox="1">
+            <a:spLocks/>
+          </p:cNvSpPr>
+          <p:nvPr/>
+        </p:nvSpPr>
+        <p:spPr>
+          <a:xfrm>
+            <a:off x="704851" y="570706"/>
+            <a:ext cx="7219949" cy="914399"/>
+          </a:xfrm>
+          <a:prstGeom prst="rect">
+            <a:avLst/>
+          </a:prstGeom>
+        </p:spPr>
+        <p:txBody>
+          <a:bodyPr vert="horz" lIns="91440" tIns="45720" rIns="91440" bIns="45720" rtlCol="0" anchor="ctr">
+            <a:normAutofit/>
+          </a:bodyPr>
+          <a:lstStyle>
+            <a:lvl1pPr algn="l" defTabSz="914400" rtl="0" eaLnBrk="1" latinLnBrk="0" hangingPunct="1">
+              <a:lnSpc>
+                <a:spcPct val="90000"/>
+              </a:lnSpc>
+              <a:spcBef>
+                <a:spcPct val="0"/>
+              </a:spcBef>
+              <a:buNone/>
+              <a:defRPr sz="4400" kern="1200">
+                <a:solidFill>
+                  <a:schemeClr val="tx1"/>
+                </a:solidFill>
+                <a:latin typeface="+mj-lt"/>
+                <a:ea typeface="+mj-ea"/>
+                <a:cs typeface="+mj-cs"/>
+              </a:defRPr>
+            </a:lvl1pPr>
+          </a:lstStyle>
+          <a:p>
+            <a:r>
+              <a:rPr lang="en-US" b="1" dirty="0"/>
+              <a:t>File Structure</a:t>
+            </a:r>
+          </a:p>
+        </p:txBody>
+      </p:sp>
+    </p:spTree>
+    <p:extLst>
+      <p:ext uri="{BB962C8B-B14F-4D97-AF65-F5344CB8AC3E}">
+        <p14:creationId xmlns:p14="http://schemas.microsoft.com/office/powerpoint/2010/main" val="3463693673"/>
+      </p:ext>
+    </p:extLst>
+  </p:cSld>
+  <p:clrMapOvr>
+    <a:masterClrMapping/>
+  </p:clrMapOvr>
+</p:sld>
+</file>
+
+<file path=ppt/slides/slide6.xml><?xml version="1.0" encoding="utf-8"?>
+<p:sld xmlns:a="http://schemas.openxmlformats.org/drawingml/2006/main" xmlns:r="http://schemas.openxmlformats.org/officeDocument/2006/relationships" xmlns:p="http://schemas.openxmlformats.org/presentationml/2006/main">
+  <p:cSld>
+    <p:spTree>
+      <p:nvGrpSpPr>
+        <p:cNvPr id="1" name=""/>
+        <p:cNvGrpSpPr/>
+        <p:nvPr/>
+      </p:nvGrpSpPr>
+      <p:grpSpPr>
+        <a:xfrm>
+          <a:off x="0" y="0"/>
+          <a:ext cx="0" cy="0"/>
+          <a:chOff x="0" y="0"/>
+          <a:chExt cx="0" cy="0"/>
+        </a:xfrm>
+      </p:grpSpPr>
+      <p:sp>
+        <p:nvSpPr>
+          <p:cNvPr id="3" name="Content Placeholder 2">
+            <a:extLst>
+              <a:ext uri="{FF2B5EF4-FFF2-40B4-BE49-F238E27FC236}">
+                <a16:creationId xmlns:a16="http://schemas.microsoft.com/office/drawing/2014/main" id="{85F8C973-E34A-4BB1-B4F7-B731E0A66CEF}"/>
+              </a:ext>
+            </a:extLst>
+          </p:cNvPr>
+          <p:cNvSpPr>
+            <a:spLocks noGrp="1"/>
+          </p:cNvSpPr>
+          <p:nvPr>
+            <p:ph idx="1"/>
+          </p:nvPr>
+        </p:nvSpPr>
+        <p:spPr>
+          <a:xfrm>
+            <a:off x="704850" y="1835150"/>
+            <a:ext cx="11184009" cy="1544637"/>
+          </a:xfrm>
+        </p:spPr>
+        <p:txBody>
+          <a:bodyPr>
+            <a:normAutofit/>
+          </a:bodyPr>
+          <a:lstStyle/>
+          <a:p>
+            <a:pPr marL="0" indent="0">
+              <a:buNone/>
+            </a:pPr>
+            <a:r>
+              <a:rPr lang="en-US" sz="2000" b="1" dirty="0"/>
+              <a:t>Gonçalo</a:t>
+            </a:r>
+          </a:p>
+          <a:p>
+            <a:pPr marL="0" indent="0">
+              <a:buNone/>
+            </a:pPr>
+            <a:r>
+              <a:rPr lang="en-US" sz="2000" b="1" dirty="0"/>
+              <a:t>Difficulties: </a:t>
+            </a:r>
+            <a:r>
+              <a:rPr lang="en-US" sz="2000" dirty="0" err="1"/>
+              <a:t>eeeee</a:t>
+            </a:r>
+            <a:endParaRPr lang="en-US" sz="2000" dirty="0"/>
+          </a:p>
+          <a:p>
+            <a:pPr marL="0" indent="0">
+              <a:buNone/>
+            </a:pPr>
+            <a:r>
+              <a:rPr lang="en-US" sz="2000" b="1" dirty="0"/>
+              <a:t>Solution: </a:t>
+            </a:r>
+            <a:r>
+              <a:rPr lang="en-US" sz="2000" dirty="0" err="1"/>
+              <a:t>eee</a:t>
+            </a:r>
+            <a:endParaRPr lang="en-US" sz="2000" b="1" dirty="0"/>
+          </a:p>
+        </p:txBody>
+      </p:sp>
+      <p:pic>
+        <p:nvPicPr>
+          <p:cNvPr id="5" name="Picture 4" descr="A picture containing text, clipart&#10;&#10;Description automatically generated">
+            <a:extLst>
+              <a:ext uri="{FF2B5EF4-FFF2-40B4-BE49-F238E27FC236}">
+                <a16:creationId xmlns:a16="http://schemas.microsoft.com/office/drawing/2014/main" id="{AEEF4F80-6182-437F-8FB9-E546318E1786}"/>
+              </a:ext>
+            </a:extLst>
+          </p:cNvPr>
+          <p:cNvPicPr>
+            <a:picLocks noChangeAspect="1"/>
+          </p:cNvPicPr>
+          <p:nvPr/>
+        </p:nvPicPr>
+        <p:blipFill>
+          <a:blip r:embed="rId2">
+            <a:extLst>
+              <a:ext uri="{28A0092B-C50C-407E-A947-70E740481C1C}">
+                <a14:useLocalDpi xmlns:a14="http://schemas.microsoft.com/office/drawing/2010/main" val="0"/>
+              </a:ext>
+            </a:extLst>
+          </a:blip>
+          <a:stretch>
+            <a:fillRect/>
+          </a:stretch>
+        </p:blipFill>
+        <p:spPr>
+          <a:xfrm>
+            <a:off x="8248817" y="327168"/>
+            <a:ext cx="3640043" cy="1401476"/>
+          </a:xfrm>
+          <a:prstGeom prst="rect">
+            <a:avLst/>
+          </a:prstGeom>
+        </p:spPr>
+      </p:pic>
+      <p:sp>
+        <p:nvSpPr>
+          <p:cNvPr id="6" name="Title 1">
+            <a:extLst>
+              <a:ext uri="{FF2B5EF4-FFF2-40B4-BE49-F238E27FC236}">
+                <a16:creationId xmlns:a16="http://schemas.microsoft.com/office/drawing/2014/main" id="{67EAB101-CB65-4E80-9086-38AF17265C5D}"/>
+              </a:ext>
+            </a:extLst>
+          </p:cNvPr>
+          <p:cNvSpPr txBox="1">
+            <a:spLocks/>
+          </p:cNvSpPr>
+          <p:nvPr/>
+        </p:nvSpPr>
+        <p:spPr>
+          <a:xfrm>
+            <a:off x="704851" y="570706"/>
+            <a:ext cx="7219949" cy="914399"/>
+          </a:xfrm>
+          <a:prstGeom prst="rect">
+            <a:avLst/>
+          </a:prstGeom>
+        </p:spPr>
+        <p:txBody>
+          <a:bodyPr vert="horz" lIns="91440" tIns="45720" rIns="91440" bIns="45720" rtlCol="0" anchor="ctr">
+            <a:normAutofit/>
+          </a:bodyPr>
+          <a:lstStyle>
+            <a:lvl1pPr algn="l" defTabSz="914400" rtl="0" eaLnBrk="1" latinLnBrk="0" hangingPunct="1">
+              <a:lnSpc>
+                <a:spcPct val="90000"/>
+              </a:lnSpc>
+              <a:spcBef>
+                <a:spcPct val="0"/>
+              </a:spcBef>
+              <a:buNone/>
+              <a:defRPr sz="4400" kern="1200">
+                <a:solidFill>
+                  <a:schemeClr val="tx1"/>
+                </a:solidFill>
+                <a:latin typeface="+mj-lt"/>
+                <a:ea typeface="+mj-ea"/>
+                <a:cs typeface="+mj-cs"/>
+              </a:defRPr>
+            </a:lvl1pPr>
+          </a:lstStyle>
+          <a:p>
+            <a:r>
+              <a:rPr lang="en-US" b="1" dirty="0"/>
+              <a:t>Implemented Functionalities (1)</a:t>
+            </a:r>
+          </a:p>
+        </p:txBody>
+      </p:sp>
+    </p:spTree>
+    <p:extLst>
+      <p:ext uri="{BB962C8B-B14F-4D97-AF65-F5344CB8AC3E}">
+        <p14:creationId xmlns:p14="http://schemas.microsoft.com/office/powerpoint/2010/main" val="2050742745"/>
+      </p:ext>
+    </p:extLst>
+  </p:cSld>
+  <p:clrMapOvr>
+    <a:masterClrMapping/>
+  </p:clrMapOvr>
+</p:sld>
+</file>
+
+<file path=ppt/slides/slide7.xml><?xml version="1.0" encoding="utf-8"?>
+<p:sld xmlns:a="http://schemas.openxmlformats.org/drawingml/2006/main" xmlns:r="http://schemas.openxmlformats.org/officeDocument/2006/relationships" xmlns:p="http://schemas.openxmlformats.org/presentationml/2006/main">
+  <p:cSld>
+    <p:spTree>
+      <p:nvGrpSpPr>
+        <p:cNvPr id="1" name=""/>
+        <p:cNvGrpSpPr/>
+        <p:nvPr/>
+      </p:nvGrpSpPr>
+      <p:grpSpPr>
+        <a:xfrm>
+          <a:off x="0" y="0"/>
+          <a:ext cx="0" cy="0"/>
+          <a:chOff x="0" y="0"/>
+          <a:chExt cx="0" cy="0"/>
+        </a:xfrm>
+      </p:grpSpPr>
+      <p:sp>
+        <p:nvSpPr>
+          <p:cNvPr id="3" name="Content Placeholder 2">
+            <a:extLst>
+              <a:ext uri="{FF2B5EF4-FFF2-40B4-BE49-F238E27FC236}">
+                <a16:creationId xmlns:a16="http://schemas.microsoft.com/office/drawing/2014/main" id="{85F8C973-E34A-4BB1-B4F7-B731E0A66CEF}"/>
+              </a:ext>
+            </a:extLst>
+          </p:cNvPr>
+          <p:cNvSpPr>
+            <a:spLocks noGrp="1"/>
+          </p:cNvSpPr>
+          <p:nvPr>
+            <p:ph idx="1"/>
+          </p:nvPr>
+        </p:nvSpPr>
+        <p:spPr>
+          <a:xfrm>
+            <a:off x="704850" y="1835150"/>
+            <a:ext cx="11184009" cy="1544637"/>
+          </a:xfrm>
+        </p:spPr>
+        <p:txBody>
+          <a:bodyPr>
+            <a:normAutofit/>
+          </a:bodyPr>
+          <a:lstStyle/>
+          <a:p>
+            <a:pPr marL="0" indent="0">
+              <a:buNone/>
+            </a:pPr>
+            <a:r>
+              <a:rPr lang="en-US" sz="2000" b="1" dirty="0"/>
+              <a:t>Gonçalo</a:t>
+            </a:r>
+          </a:p>
+          <a:p>
+            <a:pPr marL="0" indent="0">
+              <a:buNone/>
+            </a:pPr>
+            <a:r>
+              <a:rPr lang="en-US" sz="2000" b="1" dirty="0"/>
+              <a:t>Difficulties: </a:t>
+            </a:r>
+            <a:r>
+              <a:rPr lang="en-US" sz="2000" dirty="0" err="1"/>
+              <a:t>eeeee</a:t>
+            </a:r>
+            <a:endParaRPr lang="en-US" sz="2000" dirty="0"/>
+          </a:p>
+          <a:p>
+            <a:pPr marL="0" indent="0">
+              <a:buNone/>
+            </a:pPr>
+            <a:r>
+              <a:rPr lang="en-US" sz="2000" b="1" dirty="0"/>
+              <a:t>Solution: </a:t>
+            </a:r>
+            <a:r>
+              <a:rPr lang="en-US" sz="2000" dirty="0" err="1"/>
+              <a:t>eee</a:t>
+            </a:r>
+            <a:endParaRPr lang="en-US" sz="2000" b="1" dirty="0"/>
+          </a:p>
+        </p:txBody>
+      </p:sp>
+      <p:pic>
+        <p:nvPicPr>
+          <p:cNvPr id="5" name="Picture 4" descr="A picture containing text, clipart&#10;&#10;Description automatically generated">
+            <a:extLst>
+              <a:ext uri="{FF2B5EF4-FFF2-40B4-BE49-F238E27FC236}">
+                <a16:creationId xmlns:a16="http://schemas.microsoft.com/office/drawing/2014/main" id="{AEEF4F80-6182-437F-8FB9-E546318E1786}"/>
+              </a:ext>
+            </a:extLst>
+          </p:cNvPr>
+          <p:cNvPicPr>
+            <a:picLocks noChangeAspect="1"/>
+          </p:cNvPicPr>
+          <p:nvPr/>
+        </p:nvPicPr>
+        <p:blipFill>
+          <a:blip r:embed="rId2">
+            <a:extLst>
+              <a:ext uri="{28A0092B-C50C-407E-A947-70E740481C1C}">
+                <a14:useLocalDpi xmlns:a14="http://schemas.microsoft.com/office/drawing/2010/main" val="0"/>
+              </a:ext>
+            </a:extLst>
+          </a:blip>
+          <a:stretch>
+            <a:fillRect/>
+          </a:stretch>
+        </p:blipFill>
+        <p:spPr>
+          <a:xfrm>
+            <a:off x="8248817" y="327168"/>
+            <a:ext cx="3640043" cy="1401476"/>
+          </a:xfrm>
+          <a:prstGeom prst="rect">
+            <a:avLst/>
+          </a:prstGeom>
+        </p:spPr>
+      </p:pic>
+      <p:sp>
+        <p:nvSpPr>
+          <p:cNvPr id="6" name="Title 1">
+            <a:extLst>
+              <a:ext uri="{FF2B5EF4-FFF2-40B4-BE49-F238E27FC236}">
+                <a16:creationId xmlns:a16="http://schemas.microsoft.com/office/drawing/2014/main" id="{67EAB101-CB65-4E80-9086-38AF17265C5D}"/>
+              </a:ext>
+            </a:extLst>
+          </p:cNvPr>
+          <p:cNvSpPr txBox="1">
+            <a:spLocks/>
+          </p:cNvSpPr>
+          <p:nvPr/>
+        </p:nvSpPr>
+        <p:spPr>
+          <a:xfrm>
+            <a:off x="704851" y="570706"/>
+            <a:ext cx="7219949" cy="914399"/>
+          </a:xfrm>
+          <a:prstGeom prst="rect">
+            <a:avLst/>
+          </a:prstGeom>
+        </p:spPr>
+        <p:txBody>
+          <a:bodyPr vert="horz" lIns="91440" tIns="45720" rIns="91440" bIns="45720" rtlCol="0" anchor="ctr">
+            <a:normAutofit/>
+          </a:bodyPr>
+          <a:lstStyle>
+            <a:lvl1pPr algn="l" defTabSz="914400" rtl="0" eaLnBrk="1" latinLnBrk="0" hangingPunct="1">
+              <a:lnSpc>
+                <a:spcPct val="90000"/>
+              </a:lnSpc>
+              <a:spcBef>
+                <a:spcPct val="0"/>
+              </a:spcBef>
+              <a:buNone/>
+              <a:defRPr sz="4400" kern="1200">
+                <a:solidFill>
+                  <a:schemeClr val="tx1"/>
+                </a:solidFill>
+                <a:latin typeface="+mj-lt"/>
+                <a:ea typeface="+mj-ea"/>
+                <a:cs typeface="+mj-cs"/>
+              </a:defRPr>
+            </a:lvl1pPr>
+          </a:lstStyle>
+          <a:p>
+            <a:r>
+              <a:rPr lang="en-US" b="1" dirty="0"/>
+              <a:t>Fun Luggage Problem</a:t>
             </a:r>
           </a:p>
         </p:txBody>
@@ -5521,6 +6294,657 @@
     <p:extLst>
       <p:ext uri="{BB962C8B-B14F-4D97-AF65-F5344CB8AC3E}">
         <p14:creationId xmlns:p14="http://schemas.microsoft.com/office/powerpoint/2010/main" val="3453836288"/>
+      </p:ext>
+    </p:extLst>
+  </p:cSld>
+  <p:clrMapOvr>
+    <a:masterClrMapping/>
+  </p:clrMapOvr>
+</p:sld>
+</file>
+
+<file path=ppt/slides/slide8.xml><?xml version="1.0" encoding="utf-8"?>
+<p:sld xmlns:a="http://schemas.openxmlformats.org/drawingml/2006/main" xmlns:r="http://schemas.openxmlformats.org/officeDocument/2006/relationships" xmlns:p="http://schemas.openxmlformats.org/presentationml/2006/main">
+  <p:cSld>
+    <p:spTree>
+      <p:nvGrpSpPr>
+        <p:cNvPr id="1" name=""/>
+        <p:cNvGrpSpPr/>
+        <p:nvPr/>
+      </p:nvGrpSpPr>
+      <p:grpSpPr>
+        <a:xfrm>
+          <a:off x="0" y="0"/>
+          <a:ext cx="0" cy="0"/>
+          <a:chOff x="0" y="0"/>
+          <a:chExt cx="0" cy="0"/>
+        </a:xfrm>
+      </p:grpSpPr>
+      <p:sp>
+        <p:nvSpPr>
+          <p:cNvPr id="3" name="Content Placeholder 2">
+            <a:extLst>
+              <a:ext uri="{FF2B5EF4-FFF2-40B4-BE49-F238E27FC236}">
+                <a16:creationId xmlns:a16="http://schemas.microsoft.com/office/drawing/2014/main" id="{85F8C973-E34A-4BB1-B4F7-B731E0A66CEF}"/>
+              </a:ext>
+            </a:extLst>
+          </p:cNvPr>
+          <p:cNvSpPr>
+            <a:spLocks noGrp="1"/>
+          </p:cNvSpPr>
+          <p:nvPr>
+            <p:ph idx="1"/>
+          </p:nvPr>
+        </p:nvSpPr>
+        <p:spPr>
+          <a:xfrm>
+            <a:off x="704850" y="1835150"/>
+            <a:ext cx="11184009" cy="1544637"/>
+          </a:xfrm>
+        </p:spPr>
+        <p:txBody>
+          <a:bodyPr>
+            <a:normAutofit/>
+          </a:bodyPr>
+          <a:lstStyle/>
+          <a:p>
+            <a:pPr marL="0" indent="0">
+              <a:buNone/>
+            </a:pPr>
+            <a:r>
+              <a:rPr lang="en-US" sz="2000" b="1" dirty="0"/>
+              <a:t>Gonçalo</a:t>
+            </a:r>
+          </a:p>
+          <a:p>
+            <a:pPr marL="0" indent="0">
+              <a:buNone/>
+            </a:pPr>
+            <a:r>
+              <a:rPr lang="en-US" sz="2000" b="1" dirty="0"/>
+              <a:t>Difficulties: </a:t>
+            </a:r>
+            <a:r>
+              <a:rPr lang="en-US" sz="2000" dirty="0" err="1"/>
+              <a:t>eeeee</a:t>
+            </a:r>
+            <a:endParaRPr lang="en-US" sz="2000" dirty="0"/>
+          </a:p>
+          <a:p>
+            <a:pPr marL="0" indent="0">
+              <a:buNone/>
+            </a:pPr>
+            <a:r>
+              <a:rPr lang="en-US" sz="2000" b="1" dirty="0"/>
+              <a:t>Solution: </a:t>
+            </a:r>
+            <a:r>
+              <a:rPr lang="en-US" sz="2000" dirty="0" err="1"/>
+              <a:t>eee</a:t>
+            </a:r>
+            <a:endParaRPr lang="en-US" sz="2000" b="1" dirty="0"/>
+          </a:p>
+        </p:txBody>
+      </p:sp>
+      <p:pic>
+        <p:nvPicPr>
+          <p:cNvPr id="5" name="Picture 4" descr="A picture containing text, clipart&#10;&#10;Description automatically generated">
+            <a:extLst>
+              <a:ext uri="{FF2B5EF4-FFF2-40B4-BE49-F238E27FC236}">
+                <a16:creationId xmlns:a16="http://schemas.microsoft.com/office/drawing/2014/main" id="{AEEF4F80-6182-437F-8FB9-E546318E1786}"/>
+              </a:ext>
+            </a:extLst>
+          </p:cNvPr>
+          <p:cNvPicPr>
+            <a:picLocks noChangeAspect="1"/>
+          </p:cNvPicPr>
+          <p:nvPr/>
+        </p:nvPicPr>
+        <p:blipFill>
+          <a:blip r:embed="rId2">
+            <a:extLst>
+              <a:ext uri="{28A0092B-C50C-407E-A947-70E740481C1C}">
+                <a14:useLocalDpi xmlns:a14="http://schemas.microsoft.com/office/drawing/2010/main" val="0"/>
+              </a:ext>
+            </a:extLst>
+          </a:blip>
+          <a:stretch>
+            <a:fillRect/>
+          </a:stretch>
+        </p:blipFill>
+        <p:spPr>
+          <a:xfrm>
+            <a:off x="8248817" y="327168"/>
+            <a:ext cx="3640043" cy="1401476"/>
+          </a:xfrm>
+          <a:prstGeom prst="rect">
+            <a:avLst/>
+          </a:prstGeom>
+        </p:spPr>
+      </p:pic>
+      <p:sp>
+        <p:nvSpPr>
+          <p:cNvPr id="6" name="Title 1">
+            <a:extLst>
+              <a:ext uri="{FF2B5EF4-FFF2-40B4-BE49-F238E27FC236}">
+                <a16:creationId xmlns:a16="http://schemas.microsoft.com/office/drawing/2014/main" id="{67EAB101-CB65-4E80-9086-38AF17265C5D}"/>
+              </a:ext>
+            </a:extLst>
+          </p:cNvPr>
+          <p:cNvSpPr txBox="1">
+            <a:spLocks/>
+          </p:cNvSpPr>
+          <p:nvPr/>
+        </p:nvSpPr>
+        <p:spPr>
+          <a:xfrm>
+            <a:off x="704851" y="570706"/>
+            <a:ext cx="7219949" cy="914399"/>
+          </a:xfrm>
+          <a:prstGeom prst="rect">
+            <a:avLst/>
+          </a:prstGeom>
+        </p:spPr>
+        <p:txBody>
+          <a:bodyPr vert="horz" lIns="91440" tIns="45720" rIns="91440" bIns="45720" rtlCol="0" anchor="ctr">
+            <a:normAutofit/>
+          </a:bodyPr>
+          <a:lstStyle>
+            <a:lvl1pPr algn="l" defTabSz="914400" rtl="0" eaLnBrk="1" latinLnBrk="0" hangingPunct="1">
+              <a:lnSpc>
+                <a:spcPct val="90000"/>
+              </a:lnSpc>
+              <a:spcBef>
+                <a:spcPct val="0"/>
+              </a:spcBef>
+              <a:buNone/>
+              <a:defRPr sz="4400" kern="1200">
+                <a:solidFill>
+                  <a:schemeClr val="tx1"/>
+                </a:solidFill>
+                <a:latin typeface="+mj-lt"/>
+                <a:ea typeface="+mj-ea"/>
+                <a:cs typeface="+mj-cs"/>
+              </a:defRPr>
+            </a:lvl1pPr>
+          </a:lstStyle>
+          <a:p>
+            <a:r>
+              <a:rPr lang="en-US" b="1" dirty="0"/>
+              <a:t>Main difficulties</a:t>
+            </a:r>
+          </a:p>
+        </p:txBody>
+      </p:sp>
+      <p:sp>
+        <p:nvSpPr>
+          <p:cNvPr id="7" name="Content Placeholder 2">
+            <a:extLst>
+              <a:ext uri="{FF2B5EF4-FFF2-40B4-BE49-F238E27FC236}">
+                <a16:creationId xmlns:a16="http://schemas.microsoft.com/office/drawing/2014/main" id="{39310F98-7E92-4CEE-BF07-75237C52E08A}"/>
+              </a:ext>
+            </a:extLst>
+          </p:cNvPr>
+          <p:cNvSpPr txBox="1">
+            <a:spLocks/>
+          </p:cNvSpPr>
+          <p:nvPr/>
+        </p:nvSpPr>
+        <p:spPr>
+          <a:xfrm>
+            <a:off x="704851" y="3478214"/>
+            <a:ext cx="11184008" cy="1665286"/>
+          </a:xfrm>
+          <a:prstGeom prst="rect">
+            <a:avLst/>
+          </a:prstGeom>
+        </p:spPr>
+        <p:txBody>
+          <a:bodyPr vert="horz" lIns="91440" tIns="45720" rIns="91440" bIns="45720" rtlCol="0">
+            <a:normAutofit/>
+          </a:bodyPr>
+          <a:lstStyle>
+            <a:lvl1pPr marL="228600" indent="-228600" algn="l" defTabSz="914400" rtl="0" eaLnBrk="1" latinLnBrk="0" hangingPunct="1">
+              <a:lnSpc>
+                <a:spcPct val="90000"/>
+              </a:lnSpc>
+              <a:spcBef>
+                <a:spcPts val="1000"/>
+              </a:spcBef>
+              <a:buFont typeface="Arial" panose="020B0604020202020204" pitchFamily="34" charset="0"/>
+              <a:buChar char="•"/>
+              <a:defRPr sz="2800" kern="1200">
+                <a:solidFill>
+                  <a:schemeClr val="tx1"/>
+                </a:solidFill>
+                <a:latin typeface="+mn-lt"/>
+                <a:ea typeface="+mn-ea"/>
+                <a:cs typeface="+mn-cs"/>
+              </a:defRPr>
+            </a:lvl1pPr>
+            <a:lvl2pPr marL="685800" indent="-228600" algn="l" defTabSz="914400" rtl="0" eaLnBrk="1" latinLnBrk="0" hangingPunct="1">
+              <a:lnSpc>
+                <a:spcPct val="90000"/>
+              </a:lnSpc>
+              <a:spcBef>
+                <a:spcPts val="500"/>
+              </a:spcBef>
+              <a:buFont typeface="Arial" panose="020B0604020202020204" pitchFamily="34" charset="0"/>
+              <a:buChar char="•"/>
+              <a:defRPr sz="2400" kern="1200">
+                <a:solidFill>
+                  <a:schemeClr val="tx1"/>
+                </a:solidFill>
+                <a:latin typeface="+mn-lt"/>
+                <a:ea typeface="+mn-ea"/>
+                <a:cs typeface="+mn-cs"/>
+              </a:defRPr>
+            </a:lvl2pPr>
+            <a:lvl3pPr marL="1143000" indent="-228600" algn="l" defTabSz="914400" rtl="0" eaLnBrk="1" latinLnBrk="0" hangingPunct="1">
+              <a:lnSpc>
+                <a:spcPct val="90000"/>
+              </a:lnSpc>
+              <a:spcBef>
+                <a:spcPts val="500"/>
+              </a:spcBef>
+              <a:buFont typeface="Arial" panose="020B0604020202020204" pitchFamily="34" charset="0"/>
+              <a:buChar char="•"/>
+              <a:defRPr sz="2000" kern="1200">
+                <a:solidFill>
+                  <a:schemeClr val="tx1"/>
+                </a:solidFill>
+                <a:latin typeface="+mn-lt"/>
+                <a:ea typeface="+mn-ea"/>
+                <a:cs typeface="+mn-cs"/>
+              </a:defRPr>
+            </a:lvl3pPr>
+            <a:lvl4pPr marL="1600200" indent="-228600" algn="l" defTabSz="914400" rtl="0" eaLnBrk="1" latinLnBrk="0" hangingPunct="1">
+              <a:lnSpc>
+                <a:spcPct val="90000"/>
+              </a:lnSpc>
+              <a:spcBef>
+                <a:spcPts val="500"/>
+              </a:spcBef>
+              <a:buFont typeface="Arial" panose="020B0604020202020204" pitchFamily="34" charset="0"/>
+              <a:buChar char="•"/>
+              <a:defRPr sz="1800" kern="1200">
+                <a:solidFill>
+                  <a:schemeClr val="tx1"/>
+                </a:solidFill>
+                <a:latin typeface="+mn-lt"/>
+                <a:ea typeface="+mn-ea"/>
+                <a:cs typeface="+mn-cs"/>
+              </a:defRPr>
+            </a:lvl4pPr>
+            <a:lvl5pPr marL="2057400" indent="-228600" algn="l" defTabSz="914400" rtl="0" eaLnBrk="1" latinLnBrk="0" hangingPunct="1">
+              <a:lnSpc>
+                <a:spcPct val="90000"/>
+              </a:lnSpc>
+              <a:spcBef>
+                <a:spcPts val="500"/>
+              </a:spcBef>
+              <a:buFont typeface="Arial" panose="020B0604020202020204" pitchFamily="34" charset="0"/>
+              <a:buChar char="•"/>
+              <a:defRPr sz="1800" kern="1200">
+                <a:solidFill>
+                  <a:schemeClr val="tx1"/>
+                </a:solidFill>
+                <a:latin typeface="+mn-lt"/>
+                <a:ea typeface="+mn-ea"/>
+                <a:cs typeface="+mn-cs"/>
+              </a:defRPr>
+            </a:lvl5pPr>
+            <a:lvl6pPr marL="2514600" indent="-228600" algn="l" defTabSz="914400" rtl="0" eaLnBrk="1" latinLnBrk="0" hangingPunct="1">
+              <a:lnSpc>
+                <a:spcPct val="90000"/>
+              </a:lnSpc>
+              <a:spcBef>
+                <a:spcPts val="500"/>
+              </a:spcBef>
+              <a:buFont typeface="Arial" panose="020B0604020202020204" pitchFamily="34" charset="0"/>
+              <a:buChar char="•"/>
+              <a:defRPr sz="1800" kern="1200">
+                <a:solidFill>
+                  <a:schemeClr val="tx1"/>
+                </a:solidFill>
+                <a:latin typeface="+mn-lt"/>
+                <a:ea typeface="+mn-ea"/>
+                <a:cs typeface="+mn-cs"/>
+              </a:defRPr>
+            </a:lvl6pPr>
+            <a:lvl7pPr marL="2971800" indent="-228600" algn="l" defTabSz="914400" rtl="0" eaLnBrk="1" latinLnBrk="0" hangingPunct="1">
+              <a:lnSpc>
+                <a:spcPct val="90000"/>
+              </a:lnSpc>
+              <a:spcBef>
+                <a:spcPts val="500"/>
+              </a:spcBef>
+              <a:buFont typeface="Arial" panose="020B0604020202020204" pitchFamily="34" charset="0"/>
+              <a:buChar char="•"/>
+              <a:defRPr sz="1800" kern="1200">
+                <a:solidFill>
+                  <a:schemeClr val="tx1"/>
+                </a:solidFill>
+                <a:latin typeface="+mn-lt"/>
+                <a:ea typeface="+mn-ea"/>
+                <a:cs typeface="+mn-cs"/>
+              </a:defRPr>
+            </a:lvl7pPr>
+            <a:lvl8pPr marL="3429000" indent="-228600" algn="l" defTabSz="914400" rtl="0" eaLnBrk="1" latinLnBrk="0" hangingPunct="1">
+              <a:lnSpc>
+                <a:spcPct val="90000"/>
+              </a:lnSpc>
+              <a:spcBef>
+                <a:spcPts val="500"/>
+              </a:spcBef>
+              <a:buFont typeface="Arial" panose="020B0604020202020204" pitchFamily="34" charset="0"/>
+              <a:buChar char="•"/>
+              <a:defRPr sz="1800" kern="1200">
+                <a:solidFill>
+                  <a:schemeClr val="tx1"/>
+                </a:solidFill>
+                <a:latin typeface="+mn-lt"/>
+                <a:ea typeface="+mn-ea"/>
+                <a:cs typeface="+mn-cs"/>
+              </a:defRPr>
+            </a:lvl8pPr>
+            <a:lvl9pPr marL="3886200" indent="-228600" algn="l" defTabSz="914400" rtl="0" eaLnBrk="1" latinLnBrk="0" hangingPunct="1">
+              <a:lnSpc>
+                <a:spcPct val="90000"/>
+              </a:lnSpc>
+              <a:spcBef>
+                <a:spcPts val="500"/>
+              </a:spcBef>
+              <a:buFont typeface="Arial" panose="020B0604020202020204" pitchFamily="34" charset="0"/>
+              <a:buChar char="•"/>
+              <a:defRPr sz="1800" kern="1200">
+                <a:solidFill>
+                  <a:schemeClr val="tx1"/>
+                </a:solidFill>
+                <a:latin typeface="+mn-lt"/>
+                <a:ea typeface="+mn-ea"/>
+                <a:cs typeface="+mn-cs"/>
+              </a:defRPr>
+            </a:lvl9pPr>
+          </a:lstStyle>
+          <a:p>
+            <a:pPr marL="0" indent="0">
+              <a:buFont typeface="Arial" panose="020B0604020202020204" pitchFamily="34" charset="0"/>
+              <a:buNone/>
+            </a:pPr>
+            <a:r>
+              <a:rPr lang="en-US" sz="2000" b="1" dirty="0"/>
+              <a:t>Guilherme</a:t>
+            </a:r>
+          </a:p>
+          <a:p>
+            <a:pPr marL="0" indent="0">
+              <a:buFont typeface="Arial" panose="020B0604020202020204" pitchFamily="34" charset="0"/>
+              <a:buNone/>
+            </a:pPr>
+            <a:r>
+              <a:rPr lang="en-US" sz="2000" b="1" dirty="0"/>
+              <a:t>Difficulties: </a:t>
+            </a:r>
+            <a:r>
+              <a:rPr lang="en-US" sz="2000" dirty="0"/>
+              <a:t>Getting used to and understanding better the use of pointers and references.</a:t>
+            </a:r>
+          </a:p>
+          <a:p>
+            <a:pPr marL="0" indent="0">
+              <a:buFont typeface="Arial" panose="020B0604020202020204" pitchFamily="34" charset="0"/>
+              <a:buNone/>
+            </a:pPr>
+            <a:r>
+              <a:rPr lang="en-US" sz="2000" b="1" dirty="0"/>
+              <a:t>Solution: </a:t>
+            </a:r>
+            <a:r>
+              <a:rPr lang="en-US" sz="2000" dirty="0"/>
+              <a:t>Experience solving problems that would arise.</a:t>
+            </a:r>
+            <a:endParaRPr lang="en-US" sz="2000" b="1" dirty="0"/>
+          </a:p>
+        </p:txBody>
+      </p:sp>
+      <p:sp>
+        <p:nvSpPr>
+          <p:cNvPr id="8" name="Content Placeholder 2">
+            <a:extLst>
+              <a:ext uri="{FF2B5EF4-FFF2-40B4-BE49-F238E27FC236}">
+                <a16:creationId xmlns:a16="http://schemas.microsoft.com/office/drawing/2014/main" id="{68BFCEB8-3807-4C47-B9C8-3FE24DB718D8}"/>
+              </a:ext>
+            </a:extLst>
+          </p:cNvPr>
+          <p:cNvSpPr txBox="1">
+            <a:spLocks/>
+          </p:cNvSpPr>
+          <p:nvPr/>
+        </p:nvSpPr>
+        <p:spPr>
+          <a:xfrm>
+            <a:off x="704850" y="5100644"/>
+            <a:ext cx="11184008" cy="1665286"/>
+          </a:xfrm>
+          <a:prstGeom prst="rect">
+            <a:avLst/>
+          </a:prstGeom>
+        </p:spPr>
+        <p:txBody>
+          <a:bodyPr vert="horz" lIns="91440" tIns="45720" rIns="91440" bIns="45720" rtlCol="0">
+            <a:normAutofit/>
+          </a:bodyPr>
+          <a:lstStyle>
+            <a:lvl1pPr marL="228600" indent="-228600" algn="l" defTabSz="914400" rtl="0" eaLnBrk="1" latinLnBrk="0" hangingPunct="1">
+              <a:lnSpc>
+                <a:spcPct val="90000"/>
+              </a:lnSpc>
+              <a:spcBef>
+                <a:spcPts val="1000"/>
+              </a:spcBef>
+              <a:buFont typeface="Arial" panose="020B0604020202020204" pitchFamily="34" charset="0"/>
+              <a:buChar char="•"/>
+              <a:defRPr sz="2800" kern="1200">
+                <a:solidFill>
+                  <a:schemeClr val="tx1"/>
+                </a:solidFill>
+                <a:latin typeface="+mn-lt"/>
+                <a:ea typeface="+mn-ea"/>
+                <a:cs typeface="+mn-cs"/>
+              </a:defRPr>
+            </a:lvl1pPr>
+            <a:lvl2pPr marL="685800" indent="-228600" algn="l" defTabSz="914400" rtl="0" eaLnBrk="1" latinLnBrk="0" hangingPunct="1">
+              <a:lnSpc>
+                <a:spcPct val="90000"/>
+              </a:lnSpc>
+              <a:spcBef>
+                <a:spcPts val="500"/>
+              </a:spcBef>
+              <a:buFont typeface="Arial" panose="020B0604020202020204" pitchFamily="34" charset="0"/>
+              <a:buChar char="•"/>
+              <a:defRPr sz="2400" kern="1200">
+                <a:solidFill>
+                  <a:schemeClr val="tx1"/>
+                </a:solidFill>
+                <a:latin typeface="+mn-lt"/>
+                <a:ea typeface="+mn-ea"/>
+                <a:cs typeface="+mn-cs"/>
+              </a:defRPr>
+            </a:lvl2pPr>
+            <a:lvl3pPr marL="1143000" indent="-228600" algn="l" defTabSz="914400" rtl="0" eaLnBrk="1" latinLnBrk="0" hangingPunct="1">
+              <a:lnSpc>
+                <a:spcPct val="90000"/>
+              </a:lnSpc>
+              <a:spcBef>
+                <a:spcPts val="500"/>
+              </a:spcBef>
+              <a:buFont typeface="Arial" panose="020B0604020202020204" pitchFamily="34" charset="0"/>
+              <a:buChar char="•"/>
+              <a:defRPr sz="2000" kern="1200">
+                <a:solidFill>
+                  <a:schemeClr val="tx1"/>
+                </a:solidFill>
+                <a:latin typeface="+mn-lt"/>
+                <a:ea typeface="+mn-ea"/>
+                <a:cs typeface="+mn-cs"/>
+              </a:defRPr>
+            </a:lvl3pPr>
+            <a:lvl4pPr marL="1600200" indent="-228600" algn="l" defTabSz="914400" rtl="0" eaLnBrk="1" latinLnBrk="0" hangingPunct="1">
+              <a:lnSpc>
+                <a:spcPct val="90000"/>
+              </a:lnSpc>
+              <a:spcBef>
+                <a:spcPts val="500"/>
+              </a:spcBef>
+              <a:buFont typeface="Arial" panose="020B0604020202020204" pitchFamily="34" charset="0"/>
+              <a:buChar char="•"/>
+              <a:defRPr sz="1800" kern="1200">
+                <a:solidFill>
+                  <a:schemeClr val="tx1"/>
+                </a:solidFill>
+                <a:latin typeface="+mn-lt"/>
+                <a:ea typeface="+mn-ea"/>
+                <a:cs typeface="+mn-cs"/>
+              </a:defRPr>
+            </a:lvl4pPr>
+            <a:lvl5pPr marL="2057400" indent="-228600" algn="l" defTabSz="914400" rtl="0" eaLnBrk="1" latinLnBrk="0" hangingPunct="1">
+              <a:lnSpc>
+                <a:spcPct val="90000"/>
+              </a:lnSpc>
+              <a:spcBef>
+                <a:spcPts val="500"/>
+              </a:spcBef>
+              <a:buFont typeface="Arial" panose="020B0604020202020204" pitchFamily="34" charset="0"/>
+              <a:buChar char="•"/>
+              <a:defRPr sz="1800" kern="1200">
+                <a:solidFill>
+                  <a:schemeClr val="tx1"/>
+                </a:solidFill>
+                <a:latin typeface="+mn-lt"/>
+                <a:ea typeface="+mn-ea"/>
+                <a:cs typeface="+mn-cs"/>
+              </a:defRPr>
+            </a:lvl5pPr>
+            <a:lvl6pPr marL="2514600" indent="-228600" algn="l" defTabSz="914400" rtl="0" eaLnBrk="1" latinLnBrk="0" hangingPunct="1">
+              <a:lnSpc>
+                <a:spcPct val="90000"/>
+              </a:lnSpc>
+              <a:spcBef>
+                <a:spcPts val="500"/>
+              </a:spcBef>
+              <a:buFont typeface="Arial" panose="020B0604020202020204" pitchFamily="34" charset="0"/>
+              <a:buChar char="•"/>
+              <a:defRPr sz="1800" kern="1200">
+                <a:solidFill>
+                  <a:schemeClr val="tx1"/>
+                </a:solidFill>
+                <a:latin typeface="+mn-lt"/>
+                <a:ea typeface="+mn-ea"/>
+                <a:cs typeface="+mn-cs"/>
+              </a:defRPr>
+            </a:lvl6pPr>
+            <a:lvl7pPr marL="2971800" indent="-228600" algn="l" defTabSz="914400" rtl="0" eaLnBrk="1" latinLnBrk="0" hangingPunct="1">
+              <a:lnSpc>
+                <a:spcPct val="90000"/>
+              </a:lnSpc>
+              <a:spcBef>
+                <a:spcPts val="500"/>
+              </a:spcBef>
+              <a:buFont typeface="Arial" panose="020B0604020202020204" pitchFamily="34" charset="0"/>
+              <a:buChar char="•"/>
+              <a:defRPr sz="1800" kern="1200">
+                <a:solidFill>
+                  <a:schemeClr val="tx1"/>
+                </a:solidFill>
+                <a:latin typeface="+mn-lt"/>
+                <a:ea typeface="+mn-ea"/>
+                <a:cs typeface="+mn-cs"/>
+              </a:defRPr>
+            </a:lvl7pPr>
+            <a:lvl8pPr marL="3429000" indent="-228600" algn="l" defTabSz="914400" rtl="0" eaLnBrk="1" latinLnBrk="0" hangingPunct="1">
+              <a:lnSpc>
+                <a:spcPct val="90000"/>
+              </a:lnSpc>
+              <a:spcBef>
+                <a:spcPts val="500"/>
+              </a:spcBef>
+              <a:buFont typeface="Arial" panose="020B0604020202020204" pitchFamily="34" charset="0"/>
+              <a:buChar char="•"/>
+              <a:defRPr sz="1800" kern="1200">
+                <a:solidFill>
+                  <a:schemeClr val="tx1"/>
+                </a:solidFill>
+                <a:latin typeface="+mn-lt"/>
+                <a:ea typeface="+mn-ea"/>
+                <a:cs typeface="+mn-cs"/>
+              </a:defRPr>
+            </a:lvl8pPr>
+            <a:lvl9pPr marL="3886200" indent="-228600" algn="l" defTabSz="914400" rtl="0" eaLnBrk="1" latinLnBrk="0" hangingPunct="1">
+              <a:lnSpc>
+                <a:spcPct val="90000"/>
+              </a:lnSpc>
+              <a:spcBef>
+                <a:spcPts val="500"/>
+              </a:spcBef>
+              <a:buFont typeface="Arial" panose="020B0604020202020204" pitchFamily="34" charset="0"/>
+              <a:buChar char="•"/>
+              <a:defRPr sz="1800" kern="1200">
+                <a:solidFill>
+                  <a:schemeClr val="tx1"/>
+                </a:solidFill>
+                <a:latin typeface="+mn-lt"/>
+                <a:ea typeface="+mn-ea"/>
+                <a:cs typeface="+mn-cs"/>
+              </a:defRPr>
+            </a:lvl9pPr>
+          </a:lstStyle>
+          <a:p>
+            <a:pPr marL="0" indent="0">
+              <a:buFont typeface="Arial" panose="020B0604020202020204" pitchFamily="34" charset="0"/>
+              <a:buNone/>
+            </a:pPr>
+            <a:r>
+              <a:rPr lang="en-US" sz="2000" b="1" dirty="0"/>
+              <a:t>Pedro</a:t>
+            </a:r>
+          </a:p>
+          <a:p>
+            <a:pPr marL="0" indent="0">
+              <a:buFont typeface="Arial" panose="020B0604020202020204" pitchFamily="34" charset="0"/>
+              <a:buNone/>
+            </a:pPr>
+            <a:r>
+              <a:rPr lang="en-US" sz="2000" b="1" dirty="0"/>
+              <a:t>Difficulties: </a:t>
+            </a:r>
+            <a:r>
+              <a:rPr lang="en-US" sz="2000" dirty="0" err="1"/>
+              <a:t>eeeee</a:t>
+            </a:r>
+            <a:endParaRPr lang="en-US" sz="2000" dirty="0"/>
+          </a:p>
+          <a:p>
+            <a:pPr marL="0" indent="0">
+              <a:buFont typeface="Arial" panose="020B0604020202020204" pitchFamily="34" charset="0"/>
+              <a:buNone/>
+            </a:pPr>
+            <a:r>
+              <a:rPr lang="en-US" sz="2000" b="1" dirty="0"/>
+              <a:t>Solution: </a:t>
+            </a:r>
+            <a:r>
+              <a:rPr lang="en-US" sz="2000" dirty="0" err="1"/>
+              <a:t>eeee</a:t>
+            </a:r>
+            <a:endParaRPr lang="en-US" sz="2000" b="1" dirty="0"/>
+          </a:p>
+        </p:txBody>
+      </p:sp>
+    </p:spTree>
+    <p:extLst>
+      <p:ext uri="{BB962C8B-B14F-4D97-AF65-F5344CB8AC3E}">
+        <p14:creationId xmlns:p14="http://schemas.microsoft.com/office/powerpoint/2010/main" val="1359252564"/>
       </p:ext>
     </p:extLst>
   </p:cSld>

--- a/Airline Information Management.pptx
+++ b/Airline Information Management.pptx
@@ -5408,8 +5408,8 @@
         </p:nvSpPr>
         <p:spPr>
           <a:xfrm>
-            <a:off x="704850" y="1835150"/>
-            <a:ext cx="11184009" cy="1544637"/>
+            <a:off x="704850" y="1835151"/>
+            <a:ext cx="11184009" cy="1401476"/>
           </a:xfrm>
         </p:spPr>
         <p:txBody>
@@ -5423,7 +5423,7 @@
             </a:pPr>
             <a:r>
               <a:rPr lang="en-US" sz="2000" b="1" dirty="0"/>
-              <a:t>Gonçalo</a:t>
+              <a:t>Input-Output</a:t>
             </a:r>
           </a:p>
           <a:p>
@@ -5431,27 +5431,14 @@
               <a:buNone/>
             </a:pPr>
             <a:r>
-              <a:rPr lang="en-US" sz="2000" b="1" dirty="0"/>
-              <a:t>Difficulties: </a:t>
-            </a:r>
-            <a:r>
-              <a:rPr lang="en-US" sz="2000" dirty="0" err="1"/>
-              <a:t>eeeee</a:t>
-            </a:r>
-            <a:endParaRPr lang="en-US" sz="2000" dirty="0"/>
+              <a:rPr lang="en-US" sz="2000" dirty="0"/>
+              <a:t>Command line used for instructions and small amounts of information by airline clients, CSVs used to transfer bigger amounts. Persistent information is also stored in CSVs. Some data can be visualized via a map in HTML.</a:t>
+            </a:r>
           </a:p>
           <a:p>
             <a:pPr marL="0" indent="0">
               <a:buNone/>
             </a:pPr>
-            <a:r>
-              <a:rPr lang="en-US" sz="2000" b="1" dirty="0"/>
-              <a:t>Solution: </a:t>
-            </a:r>
-            <a:r>
-              <a:rPr lang="en-US" sz="2000" dirty="0" err="1"/>
-              <a:t>eee</a:t>
-            </a:r>
             <a:endParaRPr lang="en-US" sz="2000" b="1" dirty="0"/>
           </a:p>
         </p:txBody>
@@ -5543,6 +5530,1111 @@
               <a:rPr lang="en-US" b="1" dirty="0"/>
               <a:t>Solution description (1)</a:t>
             </a:r>
+          </a:p>
+        </p:txBody>
+      </p:sp>
+      <p:sp>
+        <p:nvSpPr>
+          <p:cNvPr id="7" name="Content Placeholder 2">
+            <a:extLst>
+              <a:ext uri="{FF2B5EF4-FFF2-40B4-BE49-F238E27FC236}">
+                <a16:creationId xmlns:a16="http://schemas.microsoft.com/office/drawing/2014/main" id="{09139F55-83E8-4400-AA3E-12DA3E127DBC}"/>
+              </a:ext>
+            </a:extLst>
+          </p:cNvPr>
+          <p:cNvSpPr txBox="1">
+            <a:spLocks/>
+          </p:cNvSpPr>
+          <p:nvPr/>
+        </p:nvSpPr>
+        <p:spPr>
+          <a:xfrm>
+            <a:off x="704851" y="3306775"/>
+            <a:ext cx="5562600" cy="3098787"/>
+          </a:xfrm>
+          <a:prstGeom prst="rect">
+            <a:avLst/>
+          </a:prstGeom>
+        </p:spPr>
+        <p:txBody>
+          <a:bodyPr vert="horz" lIns="91440" tIns="45720" rIns="91440" bIns="45720" rtlCol="0">
+            <a:normAutofit/>
+          </a:bodyPr>
+          <a:lstStyle>
+            <a:lvl1pPr marL="228600" indent="-228600" algn="l" defTabSz="914400" rtl="0" eaLnBrk="1" latinLnBrk="0" hangingPunct="1">
+              <a:lnSpc>
+                <a:spcPct val="90000"/>
+              </a:lnSpc>
+              <a:spcBef>
+                <a:spcPts val="1000"/>
+              </a:spcBef>
+              <a:buFont typeface="Arial" panose="020B0604020202020204" pitchFamily="34" charset="0"/>
+              <a:buChar char="•"/>
+              <a:defRPr sz="2800" kern="1200">
+                <a:solidFill>
+                  <a:schemeClr val="tx1"/>
+                </a:solidFill>
+                <a:latin typeface="+mn-lt"/>
+                <a:ea typeface="+mn-ea"/>
+                <a:cs typeface="+mn-cs"/>
+              </a:defRPr>
+            </a:lvl1pPr>
+            <a:lvl2pPr marL="685800" indent="-228600" algn="l" defTabSz="914400" rtl="0" eaLnBrk="1" latinLnBrk="0" hangingPunct="1">
+              <a:lnSpc>
+                <a:spcPct val="90000"/>
+              </a:lnSpc>
+              <a:spcBef>
+                <a:spcPts val="500"/>
+              </a:spcBef>
+              <a:buFont typeface="Arial" panose="020B0604020202020204" pitchFamily="34" charset="0"/>
+              <a:buChar char="•"/>
+              <a:defRPr sz="2400" kern="1200">
+                <a:solidFill>
+                  <a:schemeClr val="tx1"/>
+                </a:solidFill>
+                <a:latin typeface="+mn-lt"/>
+                <a:ea typeface="+mn-ea"/>
+                <a:cs typeface="+mn-cs"/>
+              </a:defRPr>
+            </a:lvl2pPr>
+            <a:lvl3pPr marL="1143000" indent="-228600" algn="l" defTabSz="914400" rtl="0" eaLnBrk="1" latinLnBrk="0" hangingPunct="1">
+              <a:lnSpc>
+                <a:spcPct val="90000"/>
+              </a:lnSpc>
+              <a:spcBef>
+                <a:spcPts val="500"/>
+              </a:spcBef>
+              <a:buFont typeface="Arial" panose="020B0604020202020204" pitchFamily="34" charset="0"/>
+              <a:buChar char="•"/>
+              <a:defRPr sz="2000" kern="1200">
+                <a:solidFill>
+                  <a:schemeClr val="tx1"/>
+                </a:solidFill>
+                <a:latin typeface="+mn-lt"/>
+                <a:ea typeface="+mn-ea"/>
+                <a:cs typeface="+mn-cs"/>
+              </a:defRPr>
+            </a:lvl3pPr>
+            <a:lvl4pPr marL="1600200" indent="-228600" algn="l" defTabSz="914400" rtl="0" eaLnBrk="1" latinLnBrk="0" hangingPunct="1">
+              <a:lnSpc>
+                <a:spcPct val="90000"/>
+              </a:lnSpc>
+              <a:spcBef>
+                <a:spcPts val="500"/>
+              </a:spcBef>
+              <a:buFont typeface="Arial" panose="020B0604020202020204" pitchFamily="34" charset="0"/>
+              <a:buChar char="•"/>
+              <a:defRPr sz="1800" kern="1200">
+                <a:solidFill>
+                  <a:schemeClr val="tx1"/>
+                </a:solidFill>
+                <a:latin typeface="+mn-lt"/>
+                <a:ea typeface="+mn-ea"/>
+                <a:cs typeface="+mn-cs"/>
+              </a:defRPr>
+            </a:lvl4pPr>
+            <a:lvl5pPr marL="2057400" indent="-228600" algn="l" defTabSz="914400" rtl="0" eaLnBrk="1" latinLnBrk="0" hangingPunct="1">
+              <a:lnSpc>
+                <a:spcPct val="90000"/>
+              </a:lnSpc>
+              <a:spcBef>
+                <a:spcPts val="500"/>
+              </a:spcBef>
+              <a:buFont typeface="Arial" panose="020B0604020202020204" pitchFamily="34" charset="0"/>
+              <a:buChar char="•"/>
+              <a:defRPr sz="1800" kern="1200">
+                <a:solidFill>
+                  <a:schemeClr val="tx1"/>
+                </a:solidFill>
+                <a:latin typeface="+mn-lt"/>
+                <a:ea typeface="+mn-ea"/>
+                <a:cs typeface="+mn-cs"/>
+              </a:defRPr>
+            </a:lvl5pPr>
+            <a:lvl6pPr marL="2514600" indent="-228600" algn="l" defTabSz="914400" rtl="0" eaLnBrk="1" latinLnBrk="0" hangingPunct="1">
+              <a:lnSpc>
+                <a:spcPct val="90000"/>
+              </a:lnSpc>
+              <a:spcBef>
+                <a:spcPts val="500"/>
+              </a:spcBef>
+              <a:buFont typeface="Arial" panose="020B0604020202020204" pitchFamily="34" charset="0"/>
+              <a:buChar char="•"/>
+              <a:defRPr sz="1800" kern="1200">
+                <a:solidFill>
+                  <a:schemeClr val="tx1"/>
+                </a:solidFill>
+                <a:latin typeface="+mn-lt"/>
+                <a:ea typeface="+mn-ea"/>
+                <a:cs typeface="+mn-cs"/>
+              </a:defRPr>
+            </a:lvl6pPr>
+            <a:lvl7pPr marL="2971800" indent="-228600" algn="l" defTabSz="914400" rtl="0" eaLnBrk="1" latinLnBrk="0" hangingPunct="1">
+              <a:lnSpc>
+                <a:spcPct val="90000"/>
+              </a:lnSpc>
+              <a:spcBef>
+                <a:spcPts val="500"/>
+              </a:spcBef>
+              <a:buFont typeface="Arial" panose="020B0604020202020204" pitchFamily="34" charset="0"/>
+              <a:buChar char="•"/>
+              <a:defRPr sz="1800" kern="1200">
+                <a:solidFill>
+                  <a:schemeClr val="tx1"/>
+                </a:solidFill>
+                <a:latin typeface="+mn-lt"/>
+                <a:ea typeface="+mn-ea"/>
+                <a:cs typeface="+mn-cs"/>
+              </a:defRPr>
+            </a:lvl7pPr>
+            <a:lvl8pPr marL="3429000" indent="-228600" algn="l" defTabSz="914400" rtl="0" eaLnBrk="1" latinLnBrk="0" hangingPunct="1">
+              <a:lnSpc>
+                <a:spcPct val="90000"/>
+              </a:lnSpc>
+              <a:spcBef>
+                <a:spcPts val="500"/>
+              </a:spcBef>
+              <a:buFont typeface="Arial" panose="020B0604020202020204" pitchFamily="34" charset="0"/>
+              <a:buChar char="•"/>
+              <a:defRPr sz="1800" kern="1200">
+                <a:solidFill>
+                  <a:schemeClr val="tx1"/>
+                </a:solidFill>
+                <a:latin typeface="+mn-lt"/>
+                <a:ea typeface="+mn-ea"/>
+                <a:cs typeface="+mn-cs"/>
+              </a:defRPr>
+            </a:lvl8pPr>
+            <a:lvl9pPr marL="3886200" indent="-228600" algn="l" defTabSz="914400" rtl="0" eaLnBrk="1" latinLnBrk="0" hangingPunct="1">
+              <a:lnSpc>
+                <a:spcPct val="90000"/>
+              </a:lnSpc>
+              <a:spcBef>
+                <a:spcPts val="500"/>
+              </a:spcBef>
+              <a:buFont typeface="Arial" panose="020B0604020202020204" pitchFamily="34" charset="0"/>
+              <a:buChar char="•"/>
+              <a:defRPr sz="1800" kern="1200">
+                <a:solidFill>
+                  <a:schemeClr val="tx1"/>
+                </a:solidFill>
+                <a:latin typeface="+mn-lt"/>
+                <a:ea typeface="+mn-ea"/>
+                <a:cs typeface="+mn-cs"/>
+              </a:defRPr>
+            </a:lvl9pPr>
+          </a:lstStyle>
+          <a:p>
+            <a:pPr marL="0" indent="0">
+              <a:buFont typeface="Arial" panose="020B0604020202020204" pitchFamily="34" charset="0"/>
+              <a:buNone/>
+            </a:pPr>
+            <a:r>
+              <a:rPr lang="en-US" sz="2000" b="1" dirty="0"/>
+              <a:t>Luggage Organization</a:t>
+            </a:r>
+          </a:p>
+          <a:p>
+            <a:pPr marL="0" indent="0">
+              <a:buFont typeface="Arial" panose="020B0604020202020204" pitchFamily="34" charset="0"/>
+              <a:buNone/>
+            </a:pPr>
+            <a:r>
+              <a:rPr lang="en-US" sz="2000" dirty="0" err="1"/>
+              <a:t>eeeeeeee</a:t>
+            </a:r>
+            <a:endParaRPr lang="en-US" sz="2000" dirty="0"/>
+          </a:p>
+          <a:p>
+            <a:pPr marL="0" indent="0">
+              <a:buFont typeface="Arial" panose="020B0604020202020204" pitchFamily="34" charset="0"/>
+              <a:buNone/>
+            </a:pPr>
+            <a:endParaRPr lang="en-US" sz="2000" b="1" dirty="0"/>
+          </a:p>
+        </p:txBody>
+      </p:sp>
+      <p:sp>
+        <p:nvSpPr>
+          <p:cNvPr id="8" name="Content Placeholder 2">
+            <a:extLst>
+              <a:ext uri="{FF2B5EF4-FFF2-40B4-BE49-F238E27FC236}">
+                <a16:creationId xmlns:a16="http://schemas.microsoft.com/office/drawing/2014/main" id="{B7B31DDE-D88A-404A-8582-183F993E98E8}"/>
+              </a:ext>
+            </a:extLst>
+          </p:cNvPr>
+          <p:cNvSpPr txBox="1">
+            <a:spLocks/>
+          </p:cNvSpPr>
+          <p:nvPr/>
+        </p:nvSpPr>
+        <p:spPr>
+          <a:xfrm>
+            <a:off x="6001587" y="3306775"/>
+            <a:ext cx="5562600" cy="3098787"/>
+          </a:xfrm>
+          <a:prstGeom prst="rect">
+            <a:avLst/>
+          </a:prstGeom>
+        </p:spPr>
+        <p:txBody>
+          <a:bodyPr vert="horz" lIns="91440" tIns="45720" rIns="91440" bIns="45720" rtlCol="0">
+            <a:normAutofit/>
+          </a:bodyPr>
+          <a:lstStyle>
+            <a:lvl1pPr marL="228600" indent="-228600" algn="l" defTabSz="914400" rtl="0" eaLnBrk="1" latinLnBrk="0" hangingPunct="1">
+              <a:lnSpc>
+                <a:spcPct val="90000"/>
+              </a:lnSpc>
+              <a:spcBef>
+                <a:spcPts val="1000"/>
+              </a:spcBef>
+              <a:buFont typeface="Arial" panose="020B0604020202020204" pitchFamily="34" charset="0"/>
+              <a:buChar char="•"/>
+              <a:defRPr sz="2800" kern="1200">
+                <a:solidFill>
+                  <a:schemeClr val="tx1"/>
+                </a:solidFill>
+                <a:latin typeface="+mn-lt"/>
+                <a:ea typeface="+mn-ea"/>
+                <a:cs typeface="+mn-cs"/>
+              </a:defRPr>
+            </a:lvl1pPr>
+            <a:lvl2pPr marL="685800" indent="-228600" algn="l" defTabSz="914400" rtl="0" eaLnBrk="1" latinLnBrk="0" hangingPunct="1">
+              <a:lnSpc>
+                <a:spcPct val="90000"/>
+              </a:lnSpc>
+              <a:spcBef>
+                <a:spcPts val="500"/>
+              </a:spcBef>
+              <a:buFont typeface="Arial" panose="020B0604020202020204" pitchFamily="34" charset="0"/>
+              <a:buChar char="•"/>
+              <a:defRPr sz="2400" kern="1200">
+                <a:solidFill>
+                  <a:schemeClr val="tx1"/>
+                </a:solidFill>
+                <a:latin typeface="+mn-lt"/>
+                <a:ea typeface="+mn-ea"/>
+                <a:cs typeface="+mn-cs"/>
+              </a:defRPr>
+            </a:lvl2pPr>
+            <a:lvl3pPr marL="1143000" indent="-228600" algn="l" defTabSz="914400" rtl="0" eaLnBrk="1" latinLnBrk="0" hangingPunct="1">
+              <a:lnSpc>
+                <a:spcPct val="90000"/>
+              </a:lnSpc>
+              <a:spcBef>
+                <a:spcPts val="500"/>
+              </a:spcBef>
+              <a:buFont typeface="Arial" panose="020B0604020202020204" pitchFamily="34" charset="0"/>
+              <a:buChar char="•"/>
+              <a:defRPr sz="2000" kern="1200">
+                <a:solidFill>
+                  <a:schemeClr val="tx1"/>
+                </a:solidFill>
+                <a:latin typeface="+mn-lt"/>
+                <a:ea typeface="+mn-ea"/>
+                <a:cs typeface="+mn-cs"/>
+              </a:defRPr>
+            </a:lvl3pPr>
+            <a:lvl4pPr marL="1600200" indent="-228600" algn="l" defTabSz="914400" rtl="0" eaLnBrk="1" latinLnBrk="0" hangingPunct="1">
+              <a:lnSpc>
+                <a:spcPct val="90000"/>
+              </a:lnSpc>
+              <a:spcBef>
+                <a:spcPts val="500"/>
+              </a:spcBef>
+              <a:buFont typeface="Arial" panose="020B0604020202020204" pitchFamily="34" charset="0"/>
+              <a:buChar char="•"/>
+              <a:defRPr sz="1800" kern="1200">
+                <a:solidFill>
+                  <a:schemeClr val="tx1"/>
+                </a:solidFill>
+                <a:latin typeface="+mn-lt"/>
+                <a:ea typeface="+mn-ea"/>
+                <a:cs typeface="+mn-cs"/>
+              </a:defRPr>
+            </a:lvl4pPr>
+            <a:lvl5pPr marL="2057400" indent="-228600" algn="l" defTabSz="914400" rtl="0" eaLnBrk="1" latinLnBrk="0" hangingPunct="1">
+              <a:lnSpc>
+                <a:spcPct val="90000"/>
+              </a:lnSpc>
+              <a:spcBef>
+                <a:spcPts val="500"/>
+              </a:spcBef>
+              <a:buFont typeface="Arial" panose="020B0604020202020204" pitchFamily="34" charset="0"/>
+              <a:buChar char="•"/>
+              <a:defRPr sz="1800" kern="1200">
+                <a:solidFill>
+                  <a:schemeClr val="tx1"/>
+                </a:solidFill>
+                <a:latin typeface="+mn-lt"/>
+                <a:ea typeface="+mn-ea"/>
+                <a:cs typeface="+mn-cs"/>
+              </a:defRPr>
+            </a:lvl5pPr>
+            <a:lvl6pPr marL="2514600" indent="-228600" algn="l" defTabSz="914400" rtl="0" eaLnBrk="1" latinLnBrk="0" hangingPunct="1">
+              <a:lnSpc>
+                <a:spcPct val="90000"/>
+              </a:lnSpc>
+              <a:spcBef>
+                <a:spcPts val="500"/>
+              </a:spcBef>
+              <a:buFont typeface="Arial" panose="020B0604020202020204" pitchFamily="34" charset="0"/>
+              <a:buChar char="•"/>
+              <a:defRPr sz="1800" kern="1200">
+                <a:solidFill>
+                  <a:schemeClr val="tx1"/>
+                </a:solidFill>
+                <a:latin typeface="+mn-lt"/>
+                <a:ea typeface="+mn-ea"/>
+                <a:cs typeface="+mn-cs"/>
+              </a:defRPr>
+            </a:lvl6pPr>
+            <a:lvl7pPr marL="2971800" indent="-228600" algn="l" defTabSz="914400" rtl="0" eaLnBrk="1" latinLnBrk="0" hangingPunct="1">
+              <a:lnSpc>
+                <a:spcPct val="90000"/>
+              </a:lnSpc>
+              <a:spcBef>
+                <a:spcPts val="500"/>
+              </a:spcBef>
+              <a:buFont typeface="Arial" panose="020B0604020202020204" pitchFamily="34" charset="0"/>
+              <a:buChar char="•"/>
+              <a:defRPr sz="1800" kern="1200">
+                <a:solidFill>
+                  <a:schemeClr val="tx1"/>
+                </a:solidFill>
+                <a:latin typeface="+mn-lt"/>
+                <a:ea typeface="+mn-ea"/>
+                <a:cs typeface="+mn-cs"/>
+              </a:defRPr>
+            </a:lvl7pPr>
+            <a:lvl8pPr marL="3429000" indent="-228600" algn="l" defTabSz="914400" rtl="0" eaLnBrk="1" latinLnBrk="0" hangingPunct="1">
+              <a:lnSpc>
+                <a:spcPct val="90000"/>
+              </a:lnSpc>
+              <a:spcBef>
+                <a:spcPts val="500"/>
+              </a:spcBef>
+              <a:buFont typeface="Arial" panose="020B0604020202020204" pitchFamily="34" charset="0"/>
+              <a:buChar char="•"/>
+              <a:defRPr sz="1800" kern="1200">
+                <a:solidFill>
+                  <a:schemeClr val="tx1"/>
+                </a:solidFill>
+                <a:latin typeface="+mn-lt"/>
+                <a:ea typeface="+mn-ea"/>
+                <a:cs typeface="+mn-cs"/>
+              </a:defRPr>
+            </a:lvl8pPr>
+            <a:lvl9pPr marL="3886200" indent="-228600" algn="l" defTabSz="914400" rtl="0" eaLnBrk="1" latinLnBrk="0" hangingPunct="1">
+              <a:lnSpc>
+                <a:spcPct val="90000"/>
+              </a:lnSpc>
+              <a:spcBef>
+                <a:spcPts val="500"/>
+              </a:spcBef>
+              <a:buFont typeface="Arial" panose="020B0604020202020204" pitchFamily="34" charset="0"/>
+              <a:buChar char="•"/>
+              <a:defRPr sz="1800" kern="1200">
+                <a:solidFill>
+                  <a:schemeClr val="tx1"/>
+                </a:solidFill>
+                <a:latin typeface="+mn-lt"/>
+                <a:ea typeface="+mn-ea"/>
+                <a:cs typeface="+mn-cs"/>
+              </a:defRPr>
+            </a:lvl9pPr>
+          </a:lstStyle>
+          <a:p>
+            <a:pPr marL="0" indent="0">
+              <a:buFont typeface="Arial" panose="020B0604020202020204" pitchFamily="34" charset="0"/>
+              <a:buNone/>
+            </a:pPr>
+            <a:r>
+              <a:rPr lang="en-US" sz="2000" b="1" dirty="0"/>
+              <a:t>Full CRUD Implementation</a:t>
+            </a:r>
+          </a:p>
+          <a:p>
+            <a:pPr marL="0" indent="0">
+              <a:buFont typeface="Arial" panose="020B0604020202020204" pitchFamily="34" charset="0"/>
+              <a:buNone/>
+            </a:pPr>
+            <a:r>
+              <a:rPr lang="en-US" sz="2000" dirty="0" err="1"/>
+              <a:t>ereeeeeee</a:t>
+            </a:r>
+            <a:endParaRPr lang="en-US" sz="2000" dirty="0"/>
+          </a:p>
+          <a:p>
+            <a:pPr marL="0" indent="0">
+              <a:buFont typeface="Arial" panose="020B0604020202020204" pitchFamily="34" charset="0"/>
+              <a:buNone/>
+            </a:pPr>
+            <a:endParaRPr lang="en-US" sz="2000" b="1" dirty="0"/>
+          </a:p>
+        </p:txBody>
+      </p:sp>
+      <p:sp>
+        <p:nvSpPr>
+          <p:cNvPr id="9" name="Content Placeholder 2">
+            <a:extLst>
+              <a:ext uri="{FF2B5EF4-FFF2-40B4-BE49-F238E27FC236}">
+                <a16:creationId xmlns:a16="http://schemas.microsoft.com/office/drawing/2014/main" id="{0766D40B-D383-4370-BDFE-B6E5140C4C9E}"/>
+              </a:ext>
+            </a:extLst>
+          </p:cNvPr>
+          <p:cNvSpPr txBox="1">
+            <a:spLocks/>
+          </p:cNvSpPr>
+          <p:nvPr/>
+        </p:nvSpPr>
+        <p:spPr>
+          <a:xfrm>
+            <a:off x="704850" y="4549787"/>
+            <a:ext cx="5562600" cy="3098787"/>
+          </a:xfrm>
+          <a:prstGeom prst="rect">
+            <a:avLst/>
+          </a:prstGeom>
+        </p:spPr>
+        <p:txBody>
+          <a:bodyPr vert="horz" lIns="91440" tIns="45720" rIns="91440" bIns="45720" rtlCol="0">
+            <a:normAutofit/>
+          </a:bodyPr>
+          <a:lstStyle>
+            <a:lvl1pPr marL="228600" indent="-228600" algn="l" defTabSz="914400" rtl="0" eaLnBrk="1" latinLnBrk="0" hangingPunct="1">
+              <a:lnSpc>
+                <a:spcPct val="90000"/>
+              </a:lnSpc>
+              <a:spcBef>
+                <a:spcPts val="1000"/>
+              </a:spcBef>
+              <a:buFont typeface="Arial" panose="020B0604020202020204" pitchFamily="34" charset="0"/>
+              <a:buChar char="•"/>
+              <a:defRPr sz="2800" kern="1200">
+                <a:solidFill>
+                  <a:schemeClr val="tx1"/>
+                </a:solidFill>
+                <a:latin typeface="+mn-lt"/>
+                <a:ea typeface="+mn-ea"/>
+                <a:cs typeface="+mn-cs"/>
+              </a:defRPr>
+            </a:lvl1pPr>
+            <a:lvl2pPr marL="685800" indent="-228600" algn="l" defTabSz="914400" rtl="0" eaLnBrk="1" latinLnBrk="0" hangingPunct="1">
+              <a:lnSpc>
+                <a:spcPct val="90000"/>
+              </a:lnSpc>
+              <a:spcBef>
+                <a:spcPts val="500"/>
+              </a:spcBef>
+              <a:buFont typeface="Arial" panose="020B0604020202020204" pitchFamily="34" charset="0"/>
+              <a:buChar char="•"/>
+              <a:defRPr sz="2400" kern="1200">
+                <a:solidFill>
+                  <a:schemeClr val="tx1"/>
+                </a:solidFill>
+                <a:latin typeface="+mn-lt"/>
+                <a:ea typeface="+mn-ea"/>
+                <a:cs typeface="+mn-cs"/>
+              </a:defRPr>
+            </a:lvl2pPr>
+            <a:lvl3pPr marL="1143000" indent="-228600" algn="l" defTabSz="914400" rtl="0" eaLnBrk="1" latinLnBrk="0" hangingPunct="1">
+              <a:lnSpc>
+                <a:spcPct val="90000"/>
+              </a:lnSpc>
+              <a:spcBef>
+                <a:spcPts val="500"/>
+              </a:spcBef>
+              <a:buFont typeface="Arial" panose="020B0604020202020204" pitchFamily="34" charset="0"/>
+              <a:buChar char="•"/>
+              <a:defRPr sz="2000" kern="1200">
+                <a:solidFill>
+                  <a:schemeClr val="tx1"/>
+                </a:solidFill>
+                <a:latin typeface="+mn-lt"/>
+                <a:ea typeface="+mn-ea"/>
+                <a:cs typeface="+mn-cs"/>
+              </a:defRPr>
+            </a:lvl3pPr>
+            <a:lvl4pPr marL="1600200" indent="-228600" algn="l" defTabSz="914400" rtl="0" eaLnBrk="1" latinLnBrk="0" hangingPunct="1">
+              <a:lnSpc>
+                <a:spcPct val="90000"/>
+              </a:lnSpc>
+              <a:spcBef>
+                <a:spcPts val="500"/>
+              </a:spcBef>
+              <a:buFont typeface="Arial" panose="020B0604020202020204" pitchFamily="34" charset="0"/>
+              <a:buChar char="•"/>
+              <a:defRPr sz="1800" kern="1200">
+                <a:solidFill>
+                  <a:schemeClr val="tx1"/>
+                </a:solidFill>
+                <a:latin typeface="+mn-lt"/>
+                <a:ea typeface="+mn-ea"/>
+                <a:cs typeface="+mn-cs"/>
+              </a:defRPr>
+            </a:lvl4pPr>
+            <a:lvl5pPr marL="2057400" indent="-228600" algn="l" defTabSz="914400" rtl="0" eaLnBrk="1" latinLnBrk="0" hangingPunct="1">
+              <a:lnSpc>
+                <a:spcPct val="90000"/>
+              </a:lnSpc>
+              <a:spcBef>
+                <a:spcPts val="500"/>
+              </a:spcBef>
+              <a:buFont typeface="Arial" panose="020B0604020202020204" pitchFamily="34" charset="0"/>
+              <a:buChar char="•"/>
+              <a:defRPr sz="1800" kern="1200">
+                <a:solidFill>
+                  <a:schemeClr val="tx1"/>
+                </a:solidFill>
+                <a:latin typeface="+mn-lt"/>
+                <a:ea typeface="+mn-ea"/>
+                <a:cs typeface="+mn-cs"/>
+              </a:defRPr>
+            </a:lvl5pPr>
+            <a:lvl6pPr marL="2514600" indent="-228600" algn="l" defTabSz="914400" rtl="0" eaLnBrk="1" latinLnBrk="0" hangingPunct="1">
+              <a:lnSpc>
+                <a:spcPct val="90000"/>
+              </a:lnSpc>
+              <a:spcBef>
+                <a:spcPts val="500"/>
+              </a:spcBef>
+              <a:buFont typeface="Arial" panose="020B0604020202020204" pitchFamily="34" charset="0"/>
+              <a:buChar char="•"/>
+              <a:defRPr sz="1800" kern="1200">
+                <a:solidFill>
+                  <a:schemeClr val="tx1"/>
+                </a:solidFill>
+                <a:latin typeface="+mn-lt"/>
+                <a:ea typeface="+mn-ea"/>
+                <a:cs typeface="+mn-cs"/>
+              </a:defRPr>
+            </a:lvl6pPr>
+            <a:lvl7pPr marL="2971800" indent="-228600" algn="l" defTabSz="914400" rtl="0" eaLnBrk="1" latinLnBrk="0" hangingPunct="1">
+              <a:lnSpc>
+                <a:spcPct val="90000"/>
+              </a:lnSpc>
+              <a:spcBef>
+                <a:spcPts val="500"/>
+              </a:spcBef>
+              <a:buFont typeface="Arial" panose="020B0604020202020204" pitchFamily="34" charset="0"/>
+              <a:buChar char="•"/>
+              <a:defRPr sz="1800" kern="1200">
+                <a:solidFill>
+                  <a:schemeClr val="tx1"/>
+                </a:solidFill>
+                <a:latin typeface="+mn-lt"/>
+                <a:ea typeface="+mn-ea"/>
+                <a:cs typeface="+mn-cs"/>
+              </a:defRPr>
+            </a:lvl7pPr>
+            <a:lvl8pPr marL="3429000" indent="-228600" algn="l" defTabSz="914400" rtl="0" eaLnBrk="1" latinLnBrk="0" hangingPunct="1">
+              <a:lnSpc>
+                <a:spcPct val="90000"/>
+              </a:lnSpc>
+              <a:spcBef>
+                <a:spcPts val="500"/>
+              </a:spcBef>
+              <a:buFont typeface="Arial" panose="020B0604020202020204" pitchFamily="34" charset="0"/>
+              <a:buChar char="•"/>
+              <a:defRPr sz="1800" kern="1200">
+                <a:solidFill>
+                  <a:schemeClr val="tx1"/>
+                </a:solidFill>
+                <a:latin typeface="+mn-lt"/>
+                <a:ea typeface="+mn-ea"/>
+                <a:cs typeface="+mn-cs"/>
+              </a:defRPr>
+            </a:lvl8pPr>
+            <a:lvl9pPr marL="3886200" indent="-228600" algn="l" defTabSz="914400" rtl="0" eaLnBrk="1" latinLnBrk="0" hangingPunct="1">
+              <a:lnSpc>
+                <a:spcPct val="90000"/>
+              </a:lnSpc>
+              <a:spcBef>
+                <a:spcPts val="500"/>
+              </a:spcBef>
+              <a:buFont typeface="Arial" panose="020B0604020202020204" pitchFamily="34" charset="0"/>
+              <a:buChar char="•"/>
+              <a:defRPr sz="1800" kern="1200">
+                <a:solidFill>
+                  <a:schemeClr val="tx1"/>
+                </a:solidFill>
+                <a:latin typeface="+mn-lt"/>
+                <a:ea typeface="+mn-ea"/>
+                <a:cs typeface="+mn-cs"/>
+              </a:defRPr>
+            </a:lvl9pPr>
+          </a:lstStyle>
+          <a:p>
+            <a:pPr marL="0" indent="0">
+              <a:buFont typeface="Arial" panose="020B0604020202020204" pitchFamily="34" charset="0"/>
+              <a:buNone/>
+            </a:pPr>
+            <a:r>
+              <a:rPr lang="en-US" sz="2000" b="1" dirty="0"/>
+              <a:t>Objects with constant attributes-use of pointers</a:t>
+            </a:r>
+          </a:p>
+          <a:p>
+            <a:pPr marL="0" indent="0">
+              <a:buFont typeface="Arial" panose="020B0604020202020204" pitchFamily="34" charset="0"/>
+              <a:buNone/>
+            </a:pPr>
+            <a:r>
+              <a:rPr lang="en-US" sz="2000" dirty="0" err="1"/>
+              <a:t>eeeeeeee</a:t>
+            </a:r>
+            <a:endParaRPr lang="en-US" sz="2000" dirty="0"/>
+          </a:p>
+          <a:p>
+            <a:pPr marL="0" indent="0">
+              <a:buFont typeface="Arial" panose="020B0604020202020204" pitchFamily="34" charset="0"/>
+              <a:buNone/>
+            </a:pPr>
+            <a:endParaRPr lang="en-US" sz="2000" b="1" dirty="0"/>
+          </a:p>
+        </p:txBody>
+      </p:sp>
+      <p:sp>
+        <p:nvSpPr>
+          <p:cNvPr id="10" name="Content Placeholder 2">
+            <a:extLst>
+              <a:ext uri="{FF2B5EF4-FFF2-40B4-BE49-F238E27FC236}">
+                <a16:creationId xmlns:a16="http://schemas.microsoft.com/office/drawing/2014/main" id="{1CAADADA-F0B5-4998-A666-A78C9D9C5B9A}"/>
+              </a:ext>
+            </a:extLst>
+          </p:cNvPr>
+          <p:cNvSpPr txBox="1">
+            <a:spLocks/>
+          </p:cNvSpPr>
+          <p:nvPr/>
+        </p:nvSpPr>
+        <p:spPr>
+          <a:xfrm>
+            <a:off x="6001587" y="4440254"/>
+            <a:ext cx="5562600" cy="3098787"/>
+          </a:xfrm>
+          <a:prstGeom prst="rect">
+            <a:avLst/>
+          </a:prstGeom>
+        </p:spPr>
+        <p:txBody>
+          <a:bodyPr vert="horz" lIns="91440" tIns="45720" rIns="91440" bIns="45720" rtlCol="0">
+            <a:normAutofit/>
+          </a:bodyPr>
+          <a:lstStyle>
+            <a:lvl1pPr marL="228600" indent="-228600" algn="l" defTabSz="914400" rtl="0" eaLnBrk="1" latinLnBrk="0" hangingPunct="1">
+              <a:lnSpc>
+                <a:spcPct val="90000"/>
+              </a:lnSpc>
+              <a:spcBef>
+                <a:spcPts val="1000"/>
+              </a:spcBef>
+              <a:buFont typeface="Arial" panose="020B0604020202020204" pitchFamily="34" charset="0"/>
+              <a:buChar char="•"/>
+              <a:defRPr sz="2800" kern="1200">
+                <a:solidFill>
+                  <a:schemeClr val="tx1"/>
+                </a:solidFill>
+                <a:latin typeface="+mn-lt"/>
+                <a:ea typeface="+mn-ea"/>
+                <a:cs typeface="+mn-cs"/>
+              </a:defRPr>
+            </a:lvl1pPr>
+            <a:lvl2pPr marL="685800" indent="-228600" algn="l" defTabSz="914400" rtl="0" eaLnBrk="1" latinLnBrk="0" hangingPunct="1">
+              <a:lnSpc>
+                <a:spcPct val="90000"/>
+              </a:lnSpc>
+              <a:spcBef>
+                <a:spcPts val="500"/>
+              </a:spcBef>
+              <a:buFont typeface="Arial" panose="020B0604020202020204" pitchFamily="34" charset="0"/>
+              <a:buChar char="•"/>
+              <a:defRPr sz="2400" kern="1200">
+                <a:solidFill>
+                  <a:schemeClr val="tx1"/>
+                </a:solidFill>
+                <a:latin typeface="+mn-lt"/>
+                <a:ea typeface="+mn-ea"/>
+                <a:cs typeface="+mn-cs"/>
+              </a:defRPr>
+            </a:lvl2pPr>
+            <a:lvl3pPr marL="1143000" indent="-228600" algn="l" defTabSz="914400" rtl="0" eaLnBrk="1" latinLnBrk="0" hangingPunct="1">
+              <a:lnSpc>
+                <a:spcPct val="90000"/>
+              </a:lnSpc>
+              <a:spcBef>
+                <a:spcPts val="500"/>
+              </a:spcBef>
+              <a:buFont typeface="Arial" panose="020B0604020202020204" pitchFamily="34" charset="0"/>
+              <a:buChar char="•"/>
+              <a:defRPr sz="2000" kern="1200">
+                <a:solidFill>
+                  <a:schemeClr val="tx1"/>
+                </a:solidFill>
+                <a:latin typeface="+mn-lt"/>
+                <a:ea typeface="+mn-ea"/>
+                <a:cs typeface="+mn-cs"/>
+              </a:defRPr>
+            </a:lvl3pPr>
+            <a:lvl4pPr marL="1600200" indent="-228600" algn="l" defTabSz="914400" rtl="0" eaLnBrk="1" latinLnBrk="0" hangingPunct="1">
+              <a:lnSpc>
+                <a:spcPct val="90000"/>
+              </a:lnSpc>
+              <a:spcBef>
+                <a:spcPts val="500"/>
+              </a:spcBef>
+              <a:buFont typeface="Arial" panose="020B0604020202020204" pitchFamily="34" charset="0"/>
+              <a:buChar char="•"/>
+              <a:defRPr sz="1800" kern="1200">
+                <a:solidFill>
+                  <a:schemeClr val="tx1"/>
+                </a:solidFill>
+                <a:latin typeface="+mn-lt"/>
+                <a:ea typeface="+mn-ea"/>
+                <a:cs typeface="+mn-cs"/>
+              </a:defRPr>
+            </a:lvl4pPr>
+            <a:lvl5pPr marL="2057400" indent="-228600" algn="l" defTabSz="914400" rtl="0" eaLnBrk="1" latinLnBrk="0" hangingPunct="1">
+              <a:lnSpc>
+                <a:spcPct val="90000"/>
+              </a:lnSpc>
+              <a:spcBef>
+                <a:spcPts val="500"/>
+              </a:spcBef>
+              <a:buFont typeface="Arial" panose="020B0604020202020204" pitchFamily="34" charset="0"/>
+              <a:buChar char="•"/>
+              <a:defRPr sz="1800" kern="1200">
+                <a:solidFill>
+                  <a:schemeClr val="tx1"/>
+                </a:solidFill>
+                <a:latin typeface="+mn-lt"/>
+                <a:ea typeface="+mn-ea"/>
+                <a:cs typeface="+mn-cs"/>
+              </a:defRPr>
+            </a:lvl5pPr>
+            <a:lvl6pPr marL="2514600" indent="-228600" algn="l" defTabSz="914400" rtl="0" eaLnBrk="1" latinLnBrk="0" hangingPunct="1">
+              <a:lnSpc>
+                <a:spcPct val="90000"/>
+              </a:lnSpc>
+              <a:spcBef>
+                <a:spcPts val="500"/>
+              </a:spcBef>
+              <a:buFont typeface="Arial" panose="020B0604020202020204" pitchFamily="34" charset="0"/>
+              <a:buChar char="•"/>
+              <a:defRPr sz="1800" kern="1200">
+                <a:solidFill>
+                  <a:schemeClr val="tx1"/>
+                </a:solidFill>
+                <a:latin typeface="+mn-lt"/>
+                <a:ea typeface="+mn-ea"/>
+                <a:cs typeface="+mn-cs"/>
+              </a:defRPr>
+            </a:lvl6pPr>
+            <a:lvl7pPr marL="2971800" indent="-228600" algn="l" defTabSz="914400" rtl="0" eaLnBrk="1" latinLnBrk="0" hangingPunct="1">
+              <a:lnSpc>
+                <a:spcPct val="90000"/>
+              </a:lnSpc>
+              <a:spcBef>
+                <a:spcPts val="500"/>
+              </a:spcBef>
+              <a:buFont typeface="Arial" panose="020B0604020202020204" pitchFamily="34" charset="0"/>
+              <a:buChar char="•"/>
+              <a:defRPr sz="1800" kern="1200">
+                <a:solidFill>
+                  <a:schemeClr val="tx1"/>
+                </a:solidFill>
+                <a:latin typeface="+mn-lt"/>
+                <a:ea typeface="+mn-ea"/>
+                <a:cs typeface="+mn-cs"/>
+              </a:defRPr>
+            </a:lvl7pPr>
+            <a:lvl8pPr marL="3429000" indent="-228600" algn="l" defTabSz="914400" rtl="0" eaLnBrk="1" latinLnBrk="0" hangingPunct="1">
+              <a:lnSpc>
+                <a:spcPct val="90000"/>
+              </a:lnSpc>
+              <a:spcBef>
+                <a:spcPts val="500"/>
+              </a:spcBef>
+              <a:buFont typeface="Arial" panose="020B0604020202020204" pitchFamily="34" charset="0"/>
+              <a:buChar char="•"/>
+              <a:defRPr sz="1800" kern="1200">
+                <a:solidFill>
+                  <a:schemeClr val="tx1"/>
+                </a:solidFill>
+                <a:latin typeface="+mn-lt"/>
+                <a:ea typeface="+mn-ea"/>
+                <a:cs typeface="+mn-cs"/>
+              </a:defRPr>
+            </a:lvl8pPr>
+            <a:lvl9pPr marL="3886200" indent="-228600" algn="l" defTabSz="914400" rtl="0" eaLnBrk="1" latinLnBrk="0" hangingPunct="1">
+              <a:lnSpc>
+                <a:spcPct val="90000"/>
+              </a:lnSpc>
+              <a:spcBef>
+                <a:spcPts val="500"/>
+              </a:spcBef>
+              <a:buFont typeface="Arial" panose="020B0604020202020204" pitchFamily="34" charset="0"/>
+              <a:buChar char="•"/>
+              <a:defRPr sz="1800" kern="1200">
+                <a:solidFill>
+                  <a:schemeClr val="tx1"/>
+                </a:solidFill>
+                <a:latin typeface="+mn-lt"/>
+                <a:ea typeface="+mn-ea"/>
+                <a:cs typeface="+mn-cs"/>
+              </a:defRPr>
+            </a:lvl9pPr>
+          </a:lstStyle>
+          <a:p>
+            <a:pPr marL="0" indent="0">
+              <a:buFont typeface="Arial" panose="020B0604020202020204" pitchFamily="34" charset="0"/>
+              <a:buNone/>
+            </a:pPr>
+            <a:r>
+              <a:rPr lang="en-US" sz="2000" b="1" dirty="0"/>
+              <a:t>Abstraction and use of Inheritance for several classes</a:t>
+            </a:r>
+          </a:p>
+          <a:p>
+            <a:pPr marL="0" indent="0">
+              <a:buFont typeface="Arial" panose="020B0604020202020204" pitchFamily="34" charset="0"/>
+              <a:buNone/>
+            </a:pPr>
+            <a:r>
+              <a:rPr lang="en-US" sz="2000" dirty="0" err="1"/>
+              <a:t>ereeeeeee</a:t>
+            </a:r>
+            <a:endParaRPr lang="en-US" sz="2000" dirty="0"/>
+          </a:p>
+          <a:p>
+            <a:pPr marL="0" indent="0">
+              <a:buFont typeface="Arial" panose="020B0604020202020204" pitchFamily="34" charset="0"/>
+              <a:buNone/>
+            </a:pPr>
+            <a:endParaRPr lang="en-US" sz="2000" b="1" dirty="0"/>
+          </a:p>
+        </p:txBody>
+      </p:sp>
+      <p:sp>
+        <p:nvSpPr>
+          <p:cNvPr id="11" name="Content Placeholder 2">
+            <a:extLst>
+              <a:ext uri="{FF2B5EF4-FFF2-40B4-BE49-F238E27FC236}">
+                <a16:creationId xmlns:a16="http://schemas.microsoft.com/office/drawing/2014/main" id="{1800F801-E579-491E-A39B-9BE6710D613F}"/>
+              </a:ext>
+            </a:extLst>
+          </p:cNvPr>
+          <p:cNvSpPr txBox="1">
+            <a:spLocks/>
+          </p:cNvSpPr>
+          <p:nvPr/>
+        </p:nvSpPr>
+        <p:spPr>
+          <a:xfrm>
+            <a:off x="734254" y="5623731"/>
+            <a:ext cx="5562600" cy="3098787"/>
+          </a:xfrm>
+          <a:prstGeom prst="rect">
+            <a:avLst/>
+          </a:prstGeom>
+        </p:spPr>
+        <p:txBody>
+          <a:bodyPr vert="horz" lIns="91440" tIns="45720" rIns="91440" bIns="45720" rtlCol="0">
+            <a:normAutofit/>
+          </a:bodyPr>
+          <a:lstStyle>
+            <a:lvl1pPr marL="228600" indent="-228600" algn="l" defTabSz="914400" rtl="0" eaLnBrk="1" latinLnBrk="0" hangingPunct="1">
+              <a:lnSpc>
+                <a:spcPct val="90000"/>
+              </a:lnSpc>
+              <a:spcBef>
+                <a:spcPts val="1000"/>
+              </a:spcBef>
+              <a:buFont typeface="Arial" panose="020B0604020202020204" pitchFamily="34" charset="0"/>
+              <a:buChar char="•"/>
+              <a:defRPr sz="2800" kern="1200">
+                <a:solidFill>
+                  <a:schemeClr val="tx1"/>
+                </a:solidFill>
+                <a:latin typeface="+mn-lt"/>
+                <a:ea typeface="+mn-ea"/>
+                <a:cs typeface="+mn-cs"/>
+              </a:defRPr>
+            </a:lvl1pPr>
+            <a:lvl2pPr marL="685800" indent="-228600" algn="l" defTabSz="914400" rtl="0" eaLnBrk="1" latinLnBrk="0" hangingPunct="1">
+              <a:lnSpc>
+                <a:spcPct val="90000"/>
+              </a:lnSpc>
+              <a:spcBef>
+                <a:spcPts val="500"/>
+              </a:spcBef>
+              <a:buFont typeface="Arial" panose="020B0604020202020204" pitchFamily="34" charset="0"/>
+              <a:buChar char="•"/>
+              <a:defRPr sz="2400" kern="1200">
+                <a:solidFill>
+                  <a:schemeClr val="tx1"/>
+                </a:solidFill>
+                <a:latin typeface="+mn-lt"/>
+                <a:ea typeface="+mn-ea"/>
+                <a:cs typeface="+mn-cs"/>
+              </a:defRPr>
+            </a:lvl2pPr>
+            <a:lvl3pPr marL="1143000" indent="-228600" algn="l" defTabSz="914400" rtl="0" eaLnBrk="1" latinLnBrk="0" hangingPunct="1">
+              <a:lnSpc>
+                <a:spcPct val="90000"/>
+              </a:lnSpc>
+              <a:spcBef>
+                <a:spcPts val="500"/>
+              </a:spcBef>
+              <a:buFont typeface="Arial" panose="020B0604020202020204" pitchFamily="34" charset="0"/>
+              <a:buChar char="•"/>
+              <a:defRPr sz="2000" kern="1200">
+                <a:solidFill>
+                  <a:schemeClr val="tx1"/>
+                </a:solidFill>
+                <a:latin typeface="+mn-lt"/>
+                <a:ea typeface="+mn-ea"/>
+                <a:cs typeface="+mn-cs"/>
+              </a:defRPr>
+            </a:lvl3pPr>
+            <a:lvl4pPr marL="1600200" indent="-228600" algn="l" defTabSz="914400" rtl="0" eaLnBrk="1" latinLnBrk="0" hangingPunct="1">
+              <a:lnSpc>
+                <a:spcPct val="90000"/>
+              </a:lnSpc>
+              <a:spcBef>
+                <a:spcPts val="500"/>
+              </a:spcBef>
+              <a:buFont typeface="Arial" panose="020B0604020202020204" pitchFamily="34" charset="0"/>
+              <a:buChar char="•"/>
+              <a:defRPr sz="1800" kern="1200">
+                <a:solidFill>
+                  <a:schemeClr val="tx1"/>
+                </a:solidFill>
+                <a:latin typeface="+mn-lt"/>
+                <a:ea typeface="+mn-ea"/>
+                <a:cs typeface="+mn-cs"/>
+              </a:defRPr>
+            </a:lvl4pPr>
+            <a:lvl5pPr marL="2057400" indent="-228600" algn="l" defTabSz="914400" rtl="0" eaLnBrk="1" latinLnBrk="0" hangingPunct="1">
+              <a:lnSpc>
+                <a:spcPct val="90000"/>
+              </a:lnSpc>
+              <a:spcBef>
+                <a:spcPts val="500"/>
+              </a:spcBef>
+              <a:buFont typeface="Arial" panose="020B0604020202020204" pitchFamily="34" charset="0"/>
+              <a:buChar char="•"/>
+              <a:defRPr sz="1800" kern="1200">
+                <a:solidFill>
+                  <a:schemeClr val="tx1"/>
+                </a:solidFill>
+                <a:latin typeface="+mn-lt"/>
+                <a:ea typeface="+mn-ea"/>
+                <a:cs typeface="+mn-cs"/>
+              </a:defRPr>
+            </a:lvl5pPr>
+            <a:lvl6pPr marL="2514600" indent="-228600" algn="l" defTabSz="914400" rtl="0" eaLnBrk="1" latinLnBrk="0" hangingPunct="1">
+              <a:lnSpc>
+                <a:spcPct val="90000"/>
+              </a:lnSpc>
+              <a:spcBef>
+                <a:spcPts val="500"/>
+              </a:spcBef>
+              <a:buFont typeface="Arial" panose="020B0604020202020204" pitchFamily="34" charset="0"/>
+              <a:buChar char="•"/>
+              <a:defRPr sz="1800" kern="1200">
+                <a:solidFill>
+                  <a:schemeClr val="tx1"/>
+                </a:solidFill>
+                <a:latin typeface="+mn-lt"/>
+                <a:ea typeface="+mn-ea"/>
+                <a:cs typeface="+mn-cs"/>
+              </a:defRPr>
+            </a:lvl6pPr>
+            <a:lvl7pPr marL="2971800" indent="-228600" algn="l" defTabSz="914400" rtl="0" eaLnBrk="1" latinLnBrk="0" hangingPunct="1">
+              <a:lnSpc>
+                <a:spcPct val="90000"/>
+              </a:lnSpc>
+              <a:spcBef>
+                <a:spcPts val="500"/>
+              </a:spcBef>
+              <a:buFont typeface="Arial" panose="020B0604020202020204" pitchFamily="34" charset="0"/>
+              <a:buChar char="•"/>
+              <a:defRPr sz="1800" kern="1200">
+                <a:solidFill>
+                  <a:schemeClr val="tx1"/>
+                </a:solidFill>
+                <a:latin typeface="+mn-lt"/>
+                <a:ea typeface="+mn-ea"/>
+                <a:cs typeface="+mn-cs"/>
+              </a:defRPr>
+            </a:lvl7pPr>
+            <a:lvl8pPr marL="3429000" indent="-228600" algn="l" defTabSz="914400" rtl="0" eaLnBrk="1" latinLnBrk="0" hangingPunct="1">
+              <a:lnSpc>
+                <a:spcPct val="90000"/>
+              </a:lnSpc>
+              <a:spcBef>
+                <a:spcPts val="500"/>
+              </a:spcBef>
+              <a:buFont typeface="Arial" panose="020B0604020202020204" pitchFamily="34" charset="0"/>
+              <a:buChar char="•"/>
+              <a:defRPr sz="1800" kern="1200">
+                <a:solidFill>
+                  <a:schemeClr val="tx1"/>
+                </a:solidFill>
+                <a:latin typeface="+mn-lt"/>
+                <a:ea typeface="+mn-ea"/>
+                <a:cs typeface="+mn-cs"/>
+              </a:defRPr>
+            </a:lvl8pPr>
+            <a:lvl9pPr marL="3886200" indent="-228600" algn="l" defTabSz="914400" rtl="0" eaLnBrk="1" latinLnBrk="0" hangingPunct="1">
+              <a:lnSpc>
+                <a:spcPct val="90000"/>
+              </a:lnSpc>
+              <a:spcBef>
+                <a:spcPts val="500"/>
+              </a:spcBef>
+              <a:buFont typeface="Arial" panose="020B0604020202020204" pitchFamily="34" charset="0"/>
+              <a:buChar char="•"/>
+              <a:defRPr sz="1800" kern="1200">
+                <a:solidFill>
+                  <a:schemeClr val="tx1"/>
+                </a:solidFill>
+                <a:latin typeface="+mn-lt"/>
+                <a:ea typeface="+mn-ea"/>
+                <a:cs typeface="+mn-cs"/>
+              </a:defRPr>
+            </a:lvl9pPr>
+          </a:lstStyle>
+          <a:p>
+            <a:pPr marL="0" indent="0">
+              <a:buFont typeface="Arial" panose="020B0604020202020204" pitchFamily="34" charset="0"/>
+              <a:buNone/>
+            </a:pPr>
+            <a:r>
+              <a:rPr lang="en-US" sz="2000" b="1" dirty="0"/>
+              <a:t>Container choices</a:t>
+            </a:r>
+          </a:p>
+          <a:p>
+            <a:pPr marL="0" indent="0">
+              <a:buFont typeface="Arial" panose="020B0604020202020204" pitchFamily="34" charset="0"/>
+              <a:buNone/>
+            </a:pPr>
+            <a:r>
+              <a:rPr lang="en-US" sz="2000" dirty="0" err="1"/>
+              <a:t>ereeeeeee</a:t>
+            </a:r>
+            <a:endParaRPr lang="en-US" sz="2000" dirty="0"/>
+          </a:p>
+          <a:p>
+            <a:pPr marL="0" indent="0">
+              <a:buFont typeface="Arial" panose="020B0604020202020204" pitchFamily="34" charset="0"/>
+              <a:buNone/>
+            </a:pPr>
+            <a:endParaRPr lang="en-US" sz="2000" b="1" dirty="0"/>
           </a:p>
         </p:txBody>
       </p:sp>
@@ -7250,6 +8342,21 @@
 </file>
 
 <file path=customXml/item1.xml><?xml version="1.0" encoding="utf-8"?>
+<p:properties xmlns:p="http://schemas.microsoft.com/office/2006/metadata/properties" xmlns:xsi="http://www.w3.org/2001/XMLSchema-instance" xmlns:pc="http://schemas.microsoft.com/office/infopath/2007/PartnerControls">
+  <documentManagement/>
+</p:properties>
+</file>
+
+<file path=customXml/item2.xml><?xml version="1.0" encoding="utf-8"?>
+<?mso-contentType ?>
+<FormTemplates xmlns="http://schemas.microsoft.com/sharepoint/v3/contenttype/forms">
+  <Display>DocumentLibraryForm</Display>
+  <Edit>DocumentLibraryForm</Edit>
+  <New>DocumentLibraryForm</New>
+</FormTemplates>
+</file>
+
+<file path=customXml/item3.xml><?xml version="1.0" encoding="utf-8"?>
 <ct:contentTypeSchema xmlns:ct="http://schemas.microsoft.com/office/2006/metadata/contentType" xmlns:ma="http://schemas.microsoft.com/office/2006/metadata/properties/metaAttributes" ct:_="" ma:_="" ma:contentTypeName="Documento" ma:contentTypeID="0x01010014BC32AFF3718747B5A2CE47A88F3C6A" ma:contentTypeVersion="2" ma:contentTypeDescription="Criar um novo documento." ma:contentTypeScope="" ma:versionID="fee3d826901bcb9451dce0bbc19dadc3">
   <xsd:schema xmlns:xsd="http://www.w3.org/2001/XMLSchema" xmlns:xs="http://www.w3.org/2001/XMLSchema" xmlns:p="http://schemas.microsoft.com/office/2006/metadata/properties" xmlns:ns3="a47fcd35-67e3-4b66-9352-8d0db098ec50" targetNamespace="http://schemas.microsoft.com/office/2006/metadata/properties" ma:root="true" ma:fieldsID="deb6b73c7f47f6e6612a6af669b62c39" ns3:_="">
     <xsd:import namespace="a47fcd35-67e3-4b66-9352-8d0db098ec50"/>
@@ -7381,22 +8488,31 @@
 </ct:contentTypeSchema>
 </file>
 
-<file path=customXml/item2.xml><?xml version="1.0" encoding="utf-8"?>
-<?mso-contentType ?>
-<FormTemplates xmlns="http://schemas.microsoft.com/sharepoint/v3/contenttype/forms">
-  <Display>DocumentLibraryForm</Display>
-  <Edit>DocumentLibraryForm</Edit>
-  <New>DocumentLibraryForm</New>
-</FormTemplates>
+<file path=customXml/itemProps1.xml><?xml version="1.0" encoding="utf-8"?>
+<ds:datastoreItem xmlns:ds="http://schemas.openxmlformats.org/officeDocument/2006/customXml" ds:itemID="{05E380B0-3793-4519-A034-114F335A5299}">
+  <ds:schemaRefs>
+    <ds:schemaRef ds:uri="http://purl.org/dc/dcmitype/"/>
+    <ds:schemaRef ds:uri="http://purl.org/dc/terms/"/>
+    <ds:schemaRef ds:uri="http://schemas.microsoft.com/office/2006/metadata/properties"/>
+    <ds:schemaRef ds:uri="http://schemas.microsoft.com/office/2006/documentManagement/types"/>
+    <ds:schemaRef ds:uri="a47fcd35-67e3-4b66-9352-8d0db098ec50"/>
+    <ds:schemaRef ds:uri="http://schemas.openxmlformats.org/package/2006/metadata/core-properties"/>
+    <ds:schemaRef ds:uri="http://purl.org/dc/elements/1.1/"/>
+    <ds:schemaRef ds:uri="http://schemas.microsoft.com/office/infopath/2007/PartnerControls"/>
+    <ds:schemaRef ds:uri="http://www.w3.org/XML/1998/namespace"/>
+  </ds:schemaRefs>
+</ds:datastoreItem>
 </file>
 
-<file path=customXml/item3.xml><?xml version="1.0" encoding="utf-8"?>
-<p:properties xmlns:p="http://schemas.microsoft.com/office/2006/metadata/properties" xmlns:xsi="http://www.w3.org/2001/XMLSchema-instance" xmlns:pc="http://schemas.microsoft.com/office/infopath/2007/PartnerControls">
-  <documentManagement/>
-</p:properties>
+<file path=customXml/itemProps2.xml><?xml version="1.0" encoding="utf-8"?>
+<ds:datastoreItem xmlns:ds="http://schemas.openxmlformats.org/officeDocument/2006/customXml" ds:itemID="{76EE102A-C587-47D4-980D-6EF803504572}">
+  <ds:schemaRefs>
+    <ds:schemaRef ds:uri="http://schemas.microsoft.com/sharepoint/v3/contenttype/forms"/>
+  </ds:schemaRefs>
+</ds:datastoreItem>
 </file>
 
-<file path=customXml/itemProps1.xml><?xml version="1.0" encoding="utf-8"?>
+<file path=customXml/itemProps3.xml><?xml version="1.0" encoding="utf-8"?>
 <ds:datastoreItem xmlns:ds="http://schemas.openxmlformats.org/officeDocument/2006/customXml" ds:itemID="{9697E427-2E56-4B40-B661-233DAE44C32F}">
   <ds:schemaRefs>
     <ds:schemaRef ds:uri="http://schemas.microsoft.com/office/2006/metadata/contentType"/>
@@ -7412,28 +8528,4 @@
     <ds:schemaRef ds:uri="http://schemas.microsoft.com/internal/obd"/>
   </ds:schemaRefs>
 </ds:datastoreItem>
-</file>
-
-<file path=customXml/itemProps2.xml><?xml version="1.0" encoding="utf-8"?>
-<ds:datastoreItem xmlns:ds="http://schemas.openxmlformats.org/officeDocument/2006/customXml" ds:itemID="{76EE102A-C587-47D4-980D-6EF803504572}">
-  <ds:schemaRefs>
-    <ds:schemaRef ds:uri="http://schemas.microsoft.com/sharepoint/v3/contenttype/forms"/>
-  </ds:schemaRefs>
-</ds:datastoreItem>
-</file>
-
-<file path=customXml/itemProps3.xml><?xml version="1.0" encoding="utf-8"?>
-<ds:datastoreItem xmlns:ds="http://schemas.openxmlformats.org/officeDocument/2006/customXml" ds:itemID="{05E380B0-3793-4519-A034-114F335A5299}">
-  <ds:schemaRefs>
-    <ds:schemaRef ds:uri="http://purl.org/dc/dcmitype/"/>
-    <ds:schemaRef ds:uri="http://purl.org/dc/terms/"/>
-    <ds:schemaRef ds:uri="http://schemas.microsoft.com/office/2006/metadata/properties"/>
-    <ds:schemaRef ds:uri="http://schemas.microsoft.com/office/2006/documentManagement/types"/>
-    <ds:schemaRef ds:uri="a47fcd35-67e3-4b66-9352-8d0db098ec50"/>
-    <ds:schemaRef ds:uri="http://schemas.openxmlformats.org/package/2006/metadata/core-properties"/>
-    <ds:schemaRef ds:uri="http://purl.org/dc/elements/1.1/"/>
-    <ds:schemaRef ds:uri="http://schemas.microsoft.com/office/infopath/2007/PartnerControls"/>
-    <ds:schemaRef ds:uri="http://www.w3.org/XML/1998/namespace"/>
-  </ds:schemaRefs>
-</ds:datastoreItem>
 </file>